--- a/stimuli/examples/Salienzkarten.pptx
+++ b/stimuli/examples/Salienzkarten.pptx
@@ -2,20 +2,21 @@
 <file path=ppt/presentation.xml><?xml version="1.0" encoding="utf-8"?>
 <p:presentation xmlns:a="http://schemas.openxmlformats.org/drawingml/2006/main" xmlns:r="http://schemas.openxmlformats.org/officeDocument/2006/relationships" xmlns:p="http://schemas.openxmlformats.org/presentationml/2006/main" saveSubsetFonts="1">
   <p:sldMasterIdLst>
-    <p:sldMasterId id="2147483648" r:id="rId1"/>
+    <p:sldMasterId id="2147483660" r:id="rId1"/>
   </p:sldMasterIdLst>
   <p:sldIdLst>
-    <p:sldId id="256" r:id="rId2"/>
-    <p:sldId id="257" r:id="rId3"/>
-    <p:sldId id="258" r:id="rId4"/>
+    <p:sldId id="264" r:id="rId2"/>
+    <p:sldId id="261" r:id="rId3"/>
+    <p:sldId id="257" r:id="rId4"/>
+    <p:sldId id="265" r:id="rId5"/>
   </p:sldIdLst>
-  <p:sldSz cx="12192000" cy="6858000"/>
+  <p:sldSz cx="6480175" cy="6840538"/>
   <p:notesSz cx="6858000" cy="9144000"/>
   <p:defaultTextStyle>
     <a:defPPr>
       <a:defRPr lang="en-US"/>
     </a:defPPr>
-    <a:lvl1pPr marL="0" algn="l" defTabSz="914400" rtl="0" eaLnBrk="1" latinLnBrk="0" hangingPunct="1">
+    <a:lvl1pPr marL="0" algn="l" defTabSz="457200" rtl="0" eaLnBrk="1" latinLnBrk="0" hangingPunct="1">
       <a:defRPr sz="1800" kern="1200">
         <a:solidFill>
           <a:schemeClr val="tx1"/>
@@ -25,7 +26,7 @@
         <a:cs typeface="+mn-cs"/>
       </a:defRPr>
     </a:lvl1pPr>
-    <a:lvl2pPr marL="457200" algn="l" defTabSz="914400" rtl="0" eaLnBrk="1" latinLnBrk="0" hangingPunct="1">
+    <a:lvl2pPr marL="457200" algn="l" defTabSz="457200" rtl="0" eaLnBrk="1" latinLnBrk="0" hangingPunct="1">
       <a:defRPr sz="1800" kern="1200">
         <a:solidFill>
           <a:schemeClr val="tx1"/>
@@ -35,7 +36,7 @@
         <a:cs typeface="+mn-cs"/>
       </a:defRPr>
     </a:lvl2pPr>
-    <a:lvl3pPr marL="914400" algn="l" defTabSz="914400" rtl="0" eaLnBrk="1" latinLnBrk="0" hangingPunct="1">
+    <a:lvl3pPr marL="914400" algn="l" defTabSz="457200" rtl="0" eaLnBrk="1" latinLnBrk="0" hangingPunct="1">
       <a:defRPr sz="1800" kern="1200">
         <a:solidFill>
           <a:schemeClr val="tx1"/>
@@ -45,7 +46,7 @@
         <a:cs typeface="+mn-cs"/>
       </a:defRPr>
     </a:lvl3pPr>
-    <a:lvl4pPr marL="1371600" algn="l" defTabSz="914400" rtl="0" eaLnBrk="1" latinLnBrk="0" hangingPunct="1">
+    <a:lvl4pPr marL="1371600" algn="l" defTabSz="457200" rtl="0" eaLnBrk="1" latinLnBrk="0" hangingPunct="1">
       <a:defRPr sz="1800" kern="1200">
         <a:solidFill>
           <a:schemeClr val="tx1"/>
@@ -55,7 +56,7 @@
         <a:cs typeface="+mn-cs"/>
       </a:defRPr>
     </a:lvl4pPr>
-    <a:lvl5pPr marL="1828800" algn="l" defTabSz="914400" rtl="0" eaLnBrk="1" latinLnBrk="0" hangingPunct="1">
+    <a:lvl5pPr marL="1828800" algn="l" defTabSz="457200" rtl="0" eaLnBrk="1" latinLnBrk="0" hangingPunct="1">
       <a:defRPr sz="1800" kern="1200">
         <a:solidFill>
           <a:schemeClr val="tx1"/>
@@ -65,7 +66,7 @@
         <a:cs typeface="+mn-cs"/>
       </a:defRPr>
     </a:lvl5pPr>
-    <a:lvl6pPr marL="2286000" algn="l" defTabSz="914400" rtl="0" eaLnBrk="1" latinLnBrk="0" hangingPunct="1">
+    <a:lvl6pPr marL="2286000" algn="l" defTabSz="457200" rtl="0" eaLnBrk="1" latinLnBrk="0" hangingPunct="1">
       <a:defRPr sz="1800" kern="1200">
         <a:solidFill>
           <a:schemeClr val="tx1"/>
@@ -75,7 +76,7 @@
         <a:cs typeface="+mn-cs"/>
       </a:defRPr>
     </a:lvl6pPr>
-    <a:lvl7pPr marL="2743200" algn="l" defTabSz="914400" rtl="0" eaLnBrk="1" latinLnBrk="0" hangingPunct="1">
+    <a:lvl7pPr marL="2743200" algn="l" defTabSz="457200" rtl="0" eaLnBrk="1" latinLnBrk="0" hangingPunct="1">
       <a:defRPr sz="1800" kern="1200">
         <a:solidFill>
           <a:schemeClr val="tx1"/>
@@ -85,7 +86,7 @@
         <a:cs typeface="+mn-cs"/>
       </a:defRPr>
     </a:lvl7pPr>
-    <a:lvl8pPr marL="3200400" algn="l" defTabSz="914400" rtl="0" eaLnBrk="1" latinLnBrk="0" hangingPunct="1">
+    <a:lvl8pPr marL="3200400" algn="l" defTabSz="457200" rtl="0" eaLnBrk="1" latinLnBrk="0" hangingPunct="1">
       <a:defRPr sz="1800" kern="1200">
         <a:solidFill>
           <a:schemeClr val="tx1"/>
@@ -95,7 +96,7 @@
         <a:cs typeface="+mn-cs"/>
       </a:defRPr>
     </a:lvl8pPr>
-    <a:lvl9pPr marL="3657600" algn="l" defTabSz="914400" rtl="0" eaLnBrk="1" latinLnBrk="0" hangingPunct="1">
+    <a:lvl9pPr marL="3657600" algn="l" defTabSz="457200" rtl="0" eaLnBrk="1" latinLnBrk="0" hangingPunct="1">
       <a:defRPr sz="1800" kern="1200">
         <a:solidFill>
           <a:schemeClr val="tx1"/>
@@ -133,13 +134,7 @@
       </p:grpSpPr>
       <p:sp>
         <p:nvSpPr>
-          <p:cNvPr id="2" name="Titel 1">
-            <a:extLst>
-              <a:ext uri="{FF2B5EF4-FFF2-40B4-BE49-F238E27FC236}">
-                <a16:creationId xmlns:a16="http://schemas.microsoft.com/office/drawing/2014/main" id="{CA0F00E9-2A44-795E-5378-FC85C6E4920A}"/>
-              </a:ext>
-            </a:extLst>
-          </p:cNvPr>
+          <p:cNvPr id="2" name="Title 1"/>
           <p:cNvSpPr>
             <a:spLocks noGrp="1"/>
           </p:cNvSpPr>
@@ -149,15 +144,15 @@
         </p:nvSpPr>
         <p:spPr>
           <a:xfrm>
-            <a:off x="1524000" y="1122363"/>
-            <a:ext cx="9144000" cy="2387600"/>
+            <a:off x="486013" y="1119505"/>
+            <a:ext cx="5508149" cy="2381521"/>
           </a:xfrm>
         </p:spPr>
         <p:txBody>
           <a:bodyPr anchor="b"/>
           <a:lstStyle>
             <a:lvl1pPr algn="ctr">
-              <a:defRPr sz="6000"/>
+              <a:defRPr sz="4252"/>
             </a:lvl1pPr>
           </a:lstStyle>
           <a:p>
@@ -165,19 +160,13 @@
               <a:rPr lang="de-DE"/>
               <a:t>Mastertitelformat bearbeiten</a:t>
             </a:r>
-            <a:endParaRPr lang="en-US"/>
-          </a:p>
-        </p:txBody>
-      </p:sp>
-      <p:sp>
-        <p:nvSpPr>
-          <p:cNvPr id="3" name="Untertitel 2">
-            <a:extLst>
-              <a:ext uri="{FF2B5EF4-FFF2-40B4-BE49-F238E27FC236}">
-                <a16:creationId xmlns:a16="http://schemas.microsoft.com/office/drawing/2014/main" id="{D13C0D98-096F-C9B0-1643-58585E4C091B}"/>
-              </a:ext>
-            </a:extLst>
-          </p:cNvPr>
+            <a:endParaRPr lang="en-US" dirty="0"/>
+          </a:p>
+        </p:txBody>
+      </p:sp>
+      <p:sp>
+        <p:nvSpPr>
+          <p:cNvPr id="3" name="Subtitle 2"/>
           <p:cNvSpPr>
             <a:spLocks noGrp="1"/>
           </p:cNvSpPr>
@@ -187,8 +176,8 @@
         </p:nvSpPr>
         <p:spPr>
           <a:xfrm>
-            <a:off x="1524000" y="3602038"/>
-            <a:ext cx="9144000" cy="1655762"/>
+            <a:off x="810022" y="3592866"/>
+            <a:ext cx="4860131" cy="1651546"/>
           </a:xfrm>
         </p:spPr>
         <p:txBody>
@@ -196,39 +185,39 @@
           <a:lstStyle>
             <a:lvl1pPr marL="0" indent="0" algn="ctr">
               <a:buNone/>
-              <a:defRPr sz="2400"/>
+              <a:defRPr sz="1701"/>
             </a:lvl1pPr>
-            <a:lvl2pPr marL="457200" indent="0" algn="ctr">
-              <a:buNone/>
-              <a:defRPr sz="2000"/>
+            <a:lvl2pPr marL="324018" indent="0" algn="ctr">
+              <a:buNone/>
+              <a:defRPr sz="1417"/>
             </a:lvl2pPr>
-            <a:lvl3pPr marL="914400" indent="0" algn="ctr">
-              <a:buNone/>
-              <a:defRPr sz="1800"/>
+            <a:lvl3pPr marL="648035" indent="0" algn="ctr">
+              <a:buNone/>
+              <a:defRPr sz="1276"/>
             </a:lvl3pPr>
-            <a:lvl4pPr marL="1371600" indent="0" algn="ctr">
-              <a:buNone/>
-              <a:defRPr sz="1600"/>
+            <a:lvl4pPr marL="972053" indent="0" algn="ctr">
+              <a:buNone/>
+              <a:defRPr sz="1134"/>
             </a:lvl4pPr>
-            <a:lvl5pPr marL="1828800" indent="0" algn="ctr">
-              <a:buNone/>
-              <a:defRPr sz="1600"/>
+            <a:lvl5pPr marL="1296071" indent="0" algn="ctr">
+              <a:buNone/>
+              <a:defRPr sz="1134"/>
             </a:lvl5pPr>
-            <a:lvl6pPr marL="2286000" indent="0" algn="ctr">
-              <a:buNone/>
-              <a:defRPr sz="1600"/>
+            <a:lvl6pPr marL="1620088" indent="0" algn="ctr">
+              <a:buNone/>
+              <a:defRPr sz="1134"/>
             </a:lvl6pPr>
-            <a:lvl7pPr marL="2743200" indent="0" algn="ctr">
-              <a:buNone/>
-              <a:defRPr sz="1600"/>
+            <a:lvl7pPr marL="1944106" indent="0" algn="ctr">
+              <a:buNone/>
+              <a:defRPr sz="1134"/>
             </a:lvl7pPr>
-            <a:lvl8pPr marL="3200400" indent="0" algn="ctr">
-              <a:buNone/>
-              <a:defRPr sz="1600"/>
+            <a:lvl8pPr marL="2268123" indent="0" algn="ctr">
+              <a:buNone/>
+              <a:defRPr sz="1134"/>
             </a:lvl8pPr>
-            <a:lvl9pPr marL="3657600" indent="0" algn="ctr">
-              <a:buNone/>
-              <a:defRPr sz="1600"/>
+            <a:lvl9pPr marL="2592141" indent="0" algn="ctr">
+              <a:buNone/>
+              <a:defRPr sz="1134"/>
             </a:lvl9pPr>
           </a:lstStyle>
           <a:p>
@@ -236,19 +225,13 @@
               <a:rPr lang="de-DE"/>
               <a:t>Master-Untertitelformat bearbeiten</a:t>
             </a:r>
-            <a:endParaRPr lang="en-US"/>
-          </a:p>
-        </p:txBody>
-      </p:sp>
-      <p:sp>
-        <p:nvSpPr>
-          <p:cNvPr id="4" name="Datumsplatzhalter 3">
-            <a:extLst>
-              <a:ext uri="{FF2B5EF4-FFF2-40B4-BE49-F238E27FC236}">
-                <a16:creationId xmlns:a16="http://schemas.microsoft.com/office/drawing/2014/main" id="{963F7393-C420-78A4-50BD-BB6BB18D0BCB}"/>
-              </a:ext>
-            </a:extLst>
-          </p:cNvPr>
+            <a:endParaRPr lang="en-US" dirty="0"/>
+          </a:p>
+        </p:txBody>
+      </p:sp>
+      <p:sp>
+        <p:nvSpPr>
+          <p:cNvPr id="4" name="Date Placeholder 3"/>
           <p:cNvSpPr>
             <a:spLocks noGrp="1"/>
           </p:cNvSpPr>
@@ -263,7 +246,7 @@
           <a:p>
             <a:fld id="{57A1D847-D3BE-4003-B33D-C7AEB0CC39FF}" type="datetimeFigureOut">
               <a:rPr lang="en-US" smtClean="0"/>
-              <a:t>6/26/2023</a:t>
+              <a:t>6/28/2023</a:t>
             </a:fld>
             <a:endParaRPr lang="en-US"/>
           </a:p>
@@ -271,13 +254,7 @@
       </p:sp>
       <p:sp>
         <p:nvSpPr>
-          <p:cNvPr id="5" name="Fußzeilenplatzhalter 4">
-            <a:extLst>
-              <a:ext uri="{FF2B5EF4-FFF2-40B4-BE49-F238E27FC236}">
-                <a16:creationId xmlns:a16="http://schemas.microsoft.com/office/drawing/2014/main" id="{3BC42E9B-F9A8-A360-0A5E-463CA4C11AFC}"/>
-              </a:ext>
-            </a:extLst>
-          </p:cNvPr>
+          <p:cNvPr id="5" name="Footer Placeholder 4"/>
           <p:cNvSpPr>
             <a:spLocks noGrp="1"/>
           </p:cNvSpPr>
@@ -296,13 +273,7 @@
       </p:sp>
       <p:sp>
         <p:nvSpPr>
-          <p:cNvPr id="6" name="Foliennummernplatzhalter 5">
-            <a:extLst>
-              <a:ext uri="{FF2B5EF4-FFF2-40B4-BE49-F238E27FC236}">
-                <a16:creationId xmlns:a16="http://schemas.microsoft.com/office/drawing/2014/main" id="{48E638F1-CD70-C0F2-EBDD-F2D6F01B368B}"/>
-              </a:ext>
-            </a:extLst>
-          </p:cNvPr>
+          <p:cNvPr id="6" name="Slide Number Placeholder 5"/>
           <p:cNvSpPr>
             <a:spLocks noGrp="1"/>
           </p:cNvSpPr>
@@ -326,7 +297,7 @@
     </p:spTree>
     <p:extLst>
       <p:ext uri="{BB962C8B-B14F-4D97-AF65-F5344CB8AC3E}">
-        <p14:creationId xmlns:p14="http://schemas.microsoft.com/office/powerpoint/2010/main" val="3263051124"/>
+        <p14:creationId xmlns:p14="http://schemas.microsoft.com/office/powerpoint/2010/main" val="500668670"/>
       </p:ext>
     </p:extLst>
   </p:cSld>
@@ -355,13 +326,7 @@
       </p:grpSpPr>
       <p:sp>
         <p:nvSpPr>
-          <p:cNvPr id="2" name="Titel 1">
-            <a:extLst>
-              <a:ext uri="{FF2B5EF4-FFF2-40B4-BE49-F238E27FC236}">
-                <a16:creationId xmlns:a16="http://schemas.microsoft.com/office/drawing/2014/main" id="{B4F3B84E-197B-6CE3-F9CF-7881C48C5B46}"/>
-              </a:ext>
-            </a:extLst>
-          </p:cNvPr>
+          <p:cNvPr id="2" name="Title 1"/>
           <p:cNvSpPr>
             <a:spLocks noGrp="1"/>
           </p:cNvSpPr>
@@ -378,19 +343,13 @@
               <a:rPr lang="de-DE"/>
               <a:t>Mastertitelformat bearbeiten</a:t>
             </a:r>
-            <a:endParaRPr lang="en-US"/>
-          </a:p>
-        </p:txBody>
-      </p:sp>
-      <p:sp>
-        <p:nvSpPr>
-          <p:cNvPr id="3" name="Vertikaler Textplatzhalter 2">
-            <a:extLst>
-              <a:ext uri="{FF2B5EF4-FFF2-40B4-BE49-F238E27FC236}">
-                <a16:creationId xmlns:a16="http://schemas.microsoft.com/office/drawing/2014/main" id="{909B0DBD-ED0E-5240-10E4-BCD7567010A9}"/>
-              </a:ext>
-            </a:extLst>
-          </p:cNvPr>
+            <a:endParaRPr lang="en-US" dirty="0"/>
+          </a:p>
+        </p:txBody>
+      </p:sp>
+      <p:sp>
+        <p:nvSpPr>
+          <p:cNvPr id="3" name="Vertical Text Placeholder 2"/>
           <p:cNvSpPr>
             <a:spLocks noGrp="1"/>
           </p:cNvSpPr>
@@ -436,19 +395,13 @@
               <a:rPr lang="de-DE"/>
               <a:t>Fünfte Ebene</a:t>
             </a:r>
-            <a:endParaRPr lang="en-US"/>
-          </a:p>
-        </p:txBody>
-      </p:sp>
-      <p:sp>
-        <p:nvSpPr>
-          <p:cNvPr id="4" name="Datumsplatzhalter 3">
-            <a:extLst>
-              <a:ext uri="{FF2B5EF4-FFF2-40B4-BE49-F238E27FC236}">
-                <a16:creationId xmlns:a16="http://schemas.microsoft.com/office/drawing/2014/main" id="{1B1665A1-DE35-6DEE-EC8A-47B326B00528}"/>
-              </a:ext>
-            </a:extLst>
-          </p:cNvPr>
+            <a:endParaRPr lang="en-US" dirty="0"/>
+          </a:p>
+        </p:txBody>
+      </p:sp>
+      <p:sp>
+        <p:nvSpPr>
+          <p:cNvPr id="4" name="Date Placeholder 3"/>
           <p:cNvSpPr>
             <a:spLocks noGrp="1"/>
           </p:cNvSpPr>
@@ -463,7 +416,7 @@
           <a:p>
             <a:fld id="{57A1D847-D3BE-4003-B33D-C7AEB0CC39FF}" type="datetimeFigureOut">
               <a:rPr lang="en-US" smtClean="0"/>
-              <a:t>6/26/2023</a:t>
+              <a:t>6/28/2023</a:t>
             </a:fld>
             <a:endParaRPr lang="en-US"/>
           </a:p>
@@ -471,13 +424,7 @@
       </p:sp>
       <p:sp>
         <p:nvSpPr>
-          <p:cNvPr id="5" name="Fußzeilenplatzhalter 4">
-            <a:extLst>
-              <a:ext uri="{FF2B5EF4-FFF2-40B4-BE49-F238E27FC236}">
-                <a16:creationId xmlns:a16="http://schemas.microsoft.com/office/drawing/2014/main" id="{E1DFCEB8-5458-2768-A033-C76560F29CC4}"/>
-              </a:ext>
-            </a:extLst>
-          </p:cNvPr>
+          <p:cNvPr id="5" name="Footer Placeholder 4"/>
           <p:cNvSpPr>
             <a:spLocks noGrp="1"/>
           </p:cNvSpPr>
@@ -496,13 +443,7 @@
       </p:sp>
       <p:sp>
         <p:nvSpPr>
-          <p:cNvPr id="6" name="Foliennummernplatzhalter 5">
-            <a:extLst>
-              <a:ext uri="{FF2B5EF4-FFF2-40B4-BE49-F238E27FC236}">
-                <a16:creationId xmlns:a16="http://schemas.microsoft.com/office/drawing/2014/main" id="{451E3CF3-6F84-8E22-DFD3-6188A439A6A0}"/>
-              </a:ext>
-            </a:extLst>
-          </p:cNvPr>
+          <p:cNvPr id="6" name="Slide Number Placeholder 5"/>
           <p:cNvSpPr>
             <a:spLocks noGrp="1"/>
           </p:cNvSpPr>
@@ -526,7 +467,7 @@
     </p:spTree>
     <p:extLst>
       <p:ext uri="{BB962C8B-B14F-4D97-AF65-F5344CB8AC3E}">
-        <p14:creationId xmlns:p14="http://schemas.microsoft.com/office/powerpoint/2010/main" val="3143239119"/>
+        <p14:creationId xmlns:p14="http://schemas.microsoft.com/office/powerpoint/2010/main" val="1838724074"/>
       </p:ext>
     </p:extLst>
   </p:cSld>
@@ -555,13 +496,7 @@
       </p:grpSpPr>
       <p:sp>
         <p:nvSpPr>
-          <p:cNvPr id="2" name="Vertikaler Titel 1">
-            <a:extLst>
-              <a:ext uri="{FF2B5EF4-FFF2-40B4-BE49-F238E27FC236}">
-                <a16:creationId xmlns:a16="http://schemas.microsoft.com/office/drawing/2014/main" id="{606D492A-6622-E0CE-DF2D-B2FC158702B6}"/>
-              </a:ext>
-            </a:extLst>
-          </p:cNvPr>
+          <p:cNvPr id="2" name="Vertical Title 1"/>
           <p:cNvSpPr>
             <a:spLocks noGrp="1"/>
           </p:cNvSpPr>
@@ -571,8 +506,8 @@
         </p:nvSpPr>
         <p:spPr>
           <a:xfrm>
-            <a:off x="8724900" y="365125"/>
-            <a:ext cx="2628900" cy="5811838"/>
+            <a:off x="4637375" y="364195"/>
+            <a:ext cx="1397288" cy="5797040"/>
           </a:xfrm>
         </p:spPr>
         <p:txBody>
@@ -583,19 +518,13 @@
               <a:rPr lang="de-DE"/>
               <a:t>Mastertitelformat bearbeiten</a:t>
             </a:r>
-            <a:endParaRPr lang="en-US"/>
-          </a:p>
-        </p:txBody>
-      </p:sp>
-      <p:sp>
-        <p:nvSpPr>
-          <p:cNvPr id="3" name="Vertikaler Textplatzhalter 2">
-            <a:extLst>
-              <a:ext uri="{FF2B5EF4-FFF2-40B4-BE49-F238E27FC236}">
-                <a16:creationId xmlns:a16="http://schemas.microsoft.com/office/drawing/2014/main" id="{920FA285-38E0-C641-D748-2D099EC07254}"/>
-              </a:ext>
-            </a:extLst>
-          </p:cNvPr>
+            <a:endParaRPr lang="en-US" dirty="0"/>
+          </a:p>
+        </p:txBody>
+      </p:sp>
+      <p:sp>
+        <p:nvSpPr>
+          <p:cNvPr id="3" name="Vertical Text Placeholder 2"/>
           <p:cNvSpPr>
             <a:spLocks noGrp="1"/>
           </p:cNvSpPr>
@@ -605,8 +534,8 @@
         </p:nvSpPr>
         <p:spPr>
           <a:xfrm>
-            <a:off x="838200" y="365125"/>
-            <a:ext cx="7734300" cy="5811838"/>
+            <a:off x="445512" y="364195"/>
+            <a:ext cx="4110861" cy="5797040"/>
           </a:xfrm>
         </p:spPr>
         <p:txBody>
@@ -646,19 +575,13 @@
               <a:rPr lang="de-DE"/>
               <a:t>Fünfte Ebene</a:t>
             </a:r>
-            <a:endParaRPr lang="en-US"/>
-          </a:p>
-        </p:txBody>
-      </p:sp>
-      <p:sp>
-        <p:nvSpPr>
-          <p:cNvPr id="4" name="Datumsplatzhalter 3">
-            <a:extLst>
-              <a:ext uri="{FF2B5EF4-FFF2-40B4-BE49-F238E27FC236}">
-                <a16:creationId xmlns:a16="http://schemas.microsoft.com/office/drawing/2014/main" id="{6A9242A8-61D4-6D12-BFC3-CA9266158189}"/>
-              </a:ext>
-            </a:extLst>
-          </p:cNvPr>
+            <a:endParaRPr lang="en-US" dirty="0"/>
+          </a:p>
+        </p:txBody>
+      </p:sp>
+      <p:sp>
+        <p:nvSpPr>
+          <p:cNvPr id="4" name="Date Placeholder 3"/>
           <p:cNvSpPr>
             <a:spLocks noGrp="1"/>
           </p:cNvSpPr>
@@ -673,7 +596,7 @@
           <a:p>
             <a:fld id="{57A1D847-D3BE-4003-B33D-C7AEB0CC39FF}" type="datetimeFigureOut">
               <a:rPr lang="en-US" smtClean="0"/>
-              <a:t>6/26/2023</a:t>
+              <a:t>6/28/2023</a:t>
             </a:fld>
             <a:endParaRPr lang="en-US"/>
           </a:p>
@@ -681,13 +604,7 @@
       </p:sp>
       <p:sp>
         <p:nvSpPr>
-          <p:cNvPr id="5" name="Fußzeilenplatzhalter 4">
-            <a:extLst>
-              <a:ext uri="{FF2B5EF4-FFF2-40B4-BE49-F238E27FC236}">
-                <a16:creationId xmlns:a16="http://schemas.microsoft.com/office/drawing/2014/main" id="{88398293-C20C-57E7-2371-C56BD5D10450}"/>
-              </a:ext>
-            </a:extLst>
-          </p:cNvPr>
+          <p:cNvPr id="5" name="Footer Placeholder 4"/>
           <p:cNvSpPr>
             <a:spLocks noGrp="1"/>
           </p:cNvSpPr>
@@ -706,13 +623,7 @@
       </p:sp>
       <p:sp>
         <p:nvSpPr>
-          <p:cNvPr id="6" name="Foliennummernplatzhalter 5">
-            <a:extLst>
-              <a:ext uri="{FF2B5EF4-FFF2-40B4-BE49-F238E27FC236}">
-                <a16:creationId xmlns:a16="http://schemas.microsoft.com/office/drawing/2014/main" id="{5FFD6081-1177-9226-0588-4CDF84A25B95}"/>
-              </a:ext>
-            </a:extLst>
-          </p:cNvPr>
+          <p:cNvPr id="6" name="Slide Number Placeholder 5"/>
           <p:cNvSpPr>
             <a:spLocks noGrp="1"/>
           </p:cNvSpPr>
@@ -736,7 +647,7 @@
     </p:spTree>
     <p:extLst>
       <p:ext uri="{BB962C8B-B14F-4D97-AF65-F5344CB8AC3E}">
-        <p14:creationId xmlns:p14="http://schemas.microsoft.com/office/powerpoint/2010/main" val="391179141"/>
+        <p14:creationId xmlns:p14="http://schemas.microsoft.com/office/powerpoint/2010/main" val="2110985505"/>
       </p:ext>
     </p:extLst>
   </p:cSld>
@@ -765,13 +676,7 @@
       </p:grpSpPr>
       <p:sp>
         <p:nvSpPr>
-          <p:cNvPr id="2" name="Titel 1">
-            <a:extLst>
-              <a:ext uri="{FF2B5EF4-FFF2-40B4-BE49-F238E27FC236}">
-                <a16:creationId xmlns:a16="http://schemas.microsoft.com/office/drawing/2014/main" id="{E8B08D2C-6167-11FC-A1C3-CA74D4D9C4E0}"/>
-              </a:ext>
-            </a:extLst>
-          </p:cNvPr>
+          <p:cNvPr id="2" name="Title 1"/>
           <p:cNvSpPr>
             <a:spLocks noGrp="1"/>
           </p:cNvSpPr>
@@ -788,19 +693,13 @@
               <a:rPr lang="de-DE"/>
               <a:t>Mastertitelformat bearbeiten</a:t>
             </a:r>
-            <a:endParaRPr lang="en-US"/>
-          </a:p>
-        </p:txBody>
-      </p:sp>
-      <p:sp>
-        <p:nvSpPr>
-          <p:cNvPr id="3" name="Inhaltsplatzhalter 2">
-            <a:extLst>
-              <a:ext uri="{FF2B5EF4-FFF2-40B4-BE49-F238E27FC236}">
-                <a16:creationId xmlns:a16="http://schemas.microsoft.com/office/drawing/2014/main" id="{015948C3-08BF-B5A7-0B95-59C75ECB8A01}"/>
-              </a:ext>
-            </a:extLst>
-          </p:cNvPr>
+            <a:endParaRPr lang="en-US" dirty="0"/>
+          </a:p>
+        </p:txBody>
+      </p:sp>
+      <p:sp>
+        <p:nvSpPr>
+          <p:cNvPr id="3" name="Content Placeholder 2"/>
           <p:cNvSpPr>
             <a:spLocks noGrp="1"/>
           </p:cNvSpPr>
@@ -846,19 +745,13 @@
               <a:rPr lang="de-DE"/>
               <a:t>Fünfte Ebene</a:t>
             </a:r>
-            <a:endParaRPr lang="en-US"/>
-          </a:p>
-        </p:txBody>
-      </p:sp>
-      <p:sp>
-        <p:nvSpPr>
-          <p:cNvPr id="4" name="Datumsplatzhalter 3">
-            <a:extLst>
-              <a:ext uri="{FF2B5EF4-FFF2-40B4-BE49-F238E27FC236}">
-                <a16:creationId xmlns:a16="http://schemas.microsoft.com/office/drawing/2014/main" id="{062979AA-2DB8-DDF9-4259-445963271E19}"/>
-              </a:ext>
-            </a:extLst>
-          </p:cNvPr>
+            <a:endParaRPr lang="en-US" dirty="0"/>
+          </a:p>
+        </p:txBody>
+      </p:sp>
+      <p:sp>
+        <p:nvSpPr>
+          <p:cNvPr id="4" name="Date Placeholder 3"/>
           <p:cNvSpPr>
             <a:spLocks noGrp="1"/>
           </p:cNvSpPr>
@@ -873,7 +766,7 @@
           <a:p>
             <a:fld id="{57A1D847-D3BE-4003-B33D-C7AEB0CC39FF}" type="datetimeFigureOut">
               <a:rPr lang="en-US" smtClean="0"/>
-              <a:t>6/26/2023</a:t>
+              <a:t>6/28/2023</a:t>
             </a:fld>
             <a:endParaRPr lang="en-US"/>
           </a:p>
@@ -881,13 +774,7 @@
       </p:sp>
       <p:sp>
         <p:nvSpPr>
-          <p:cNvPr id="5" name="Fußzeilenplatzhalter 4">
-            <a:extLst>
-              <a:ext uri="{FF2B5EF4-FFF2-40B4-BE49-F238E27FC236}">
-                <a16:creationId xmlns:a16="http://schemas.microsoft.com/office/drawing/2014/main" id="{33F2ED31-3514-0C9D-012A-14740ECB01C5}"/>
-              </a:ext>
-            </a:extLst>
-          </p:cNvPr>
+          <p:cNvPr id="5" name="Footer Placeholder 4"/>
           <p:cNvSpPr>
             <a:spLocks noGrp="1"/>
           </p:cNvSpPr>
@@ -906,13 +793,7 @@
       </p:sp>
       <p:sp>
         <p:nvSpPr>
-          <p:cNvPr id="6" name="Foliennummernplatzhalter 5">
-            <a:extLst>
-              <a:ext uri="{FF2B5EF4-FFF2-40B4-BE49-F238E27FC236}">
-                <a16:creationId xmlns:a16="http://schemas.microsoft.com/office/drawing/2014/main" id="{6035D108-AE25-CB18-F9E6-D3250AF34741}"/>
-              </a:ext>
-            </a:extLst>
-          </p:cNvPr>
+          <p:cNvPr id="6" name="Slide Number Placeholder 5"/>
           <p:cNvSpPr>
             <a:spLocks noGrp="1"/>
           </p:cNvSpPr>
@@ -936,7 +817,7 @@
     </p:spTree>
     <p:extLst>
       <p:ext uri="{BB962C8B-B14F-4D97-AF65-F5344CB8AC3E}">
-        <p14:creationId xmlns:p14="http://schemas.microsoft.com/office/powerpoint/2010/main" val="1109703655"/>
+        <p14:creationId xmlns:p14="http://schemas.microsoft.com/office/powerpoint/2010/main" val="1210555546"/>
       </p:ext>
     </p:extLst>
   </p:cSld>
@@ -965,13 +846,7 @@
       </p:grpSpPr>
       <p:sp>
         <p:nvSpPr>
-          <p:cNvPr id="2" name="Titel 1">
-            <a:extLst>
-              <a:ext uri="{FF2B5EF4-FFF2-40B4-BE49-F238E27FC236}">
-                <a16:creationId xmlns:a16="http://schemas.microsoft.com/office/drawing/2014/main" id="{138558FF-9582-C17B-4B93-3D8688C9F110}"/>
-              </a:ext>
-            </a:extLst>
-          </p:cNvPr>
+          <p:cNvPr id="2" name="Title 1"/>
           <p:cNvSpPr>
             <a:spLocks noGrp="1"/>
           </p:cNvSpPr>
@@ -981,15 +856,15 @@
         </p:nvSpPr>
         <p:spPr>
           <a:xfrm>
-            <a:off x="831850" y="1709738"/>
-            <a:ext cx="10515600" cy="2852737"/>
+            <a:off x="442137" y="1705386"/>
+            <a:ext cx="5589151" cy="2845473"/>
           </a:xfrm>
         </p:spPr>
         <p:txBody>
           <a:bodyPr anchor="b"/>
           <a:lstStyle>
             <a:lvl1pPr>
-              <a:defRPr sz="6000"/>
+              <a:defRPr sz="4252"/>
             </a:lvl1pPr>
           </a:lstStyle>
           <a:p>
@@ -997,19 +872,13 @@
               <a:rPr lang="de-DE"/>
               <a:t>Mastertitelformat bearbeiten</a:t>
             </a:r>
-            <a:endParaRPr lang="en-US"/>
-          </a:p>
-        </p:txBody>
-      </p:sp>
-      <p:sp>
-        <p:nvSpPr>
-          <p:cNvPr id="3" name="Textplatzhalter 2">
-            <a:extLst>
-              <a:ext uri="{FF2B5EF4-FFF2-40B4-BE49-F238E27FC236}">
-                <a16:creationId xmlns:a16="http://schemas.microsoft.com/office/drawing/2014/main" id="{77A9FF76-2169-641A-6949-F80EF5480DC0}"/>
-              </a:ext>
-            </a:extLst>
-          </p:cNvPr>
+            <a:endParaRPr lang="en-US" dirty="0"/>
+          </a:p>
+        </p:txBody>
+      </p:sp>
+      <p:sp>
+        <p:nvSpPr>
+          <p:cNvPr id="3" name="Text Placeholder 2"/>
           <p:cNvSpPr>
             <a:spLocks noGrp="1"/>
           </p:cNvSpPr>
@@ -1019,8 +888,8 @@
         </p:nvSpPr>
         <p:spPr>
           <a:xfrm>
-            <a:off x="831850" y="4589463"/>
-            <a:ext cx="10515600" cy="1500187"/>
+            <a:off x="442137" y="4577779"/>
+            <a:ext cx="5589151" cy="1496367"/>
           </a:xfrm>
         </p:spPr>
         <p:txBody>
@@ -1028,17 +897,15 @@
           <a:lstStyle>
             <a:lvl1pPr marL="0" indent="0">
               <a:buNone/>
-              <a:defRPr sz="2400">
+              <a:defRPr sz="1701">
                 <a:solidFill>
-                  <a:schemeClr val="tx1">
-                    <a:tint val="75000"/>
-                  </a:schemeClr>
+                  <a:schemeClr val="tx1"/>
                 </a:solidFill>
               </a:defRPr>
             </a:lvl1pPr>
-            <a:lvl2pPr marL="457200" indent="0">
-              <a:buNone/>
-              <a:defRPr sz="2000">
+            <a:lvl2pPr marL="324018" indent="0">
+              <a:buNone/>
+              <a:defRPr sz="1417">
                 <a:solidFill>
                   <a:schemeClr val="tx1">
                     <a:tint val="75000"/>
@@ -1046,9 +913,9 @@
                 </a:solidFill>
               </a:defRPr>
             </a:lvl2pPr>
-            <a:lvl3pPr marL="914400" indent="0">
-              <a:buNone/>
-              <a:defRPr sz="1800">
+            <a:lvl3pPr marL="648035" indent="0">
+              <a:buNone/>
+              <a:defRPr sz="1276">
                 <a:solidFill>
                   <a:schemeClr val="tx1">
                     <a:tint val="75000"/>
@@ -1056,9 +923,9 @@
                 </a:solidFill>
               </a:defRPr>
             </a:lvl3pPr>
-            <a:lvl4pPr marL="1371600" indent="0">
-              <a:buNone/>
-              <a:defRPr sz="1600">
+            <a:lvl4pPr marL="972053" indent="0">
+              <a:buNone/>
+              <a:defRPr sz="1134">
                 <a:solidFill>
                   <a:schemeClr val="tx1">
                     <a:tint val="75000"/>
@@ -1066,9 +933,9 @@
                 </a:solidFill>
               </a:defRPr>
             </a:lvl4pPr>
-            <a:lvl5pPr marL="1828800" indent="0">
-              <a:buNone/>
-              <a:defRPr sz="1600">
+            <a:lvl5pPr marL="1296071" indent="0">
+              <a:buNone/>
+              <a:defRPr sz="1134">
                 <a:solidFill>
                   <a:schemeClr val="tx1">
                     <a:tint val="75000"/>
@@ -1076,9 +943,9 @@
                 </a:solidFill>
               </a:defRPr>
             </a:lvl5pPr>
-            <a:lvl6pPr marL="2286000" indent="0">
-              <a:buNone/>
-              <a:defRPr sz="1600">
+            <a:lvl6pPr marL="1620088" indent="0">
+              <a:buNone/>
+              <a:defRPr sz="1134">
                 <a:solidFill>
                   <a:schemeClr val="tx1">
                     <a:tint val="75000"/>
@@ -1086,9 +953,9 @@
                 </a:solidFill>
               </a:defRPr>
             </a:lvl6pPr>
-            <a:lvl7pPr marL="2743200" indent="0">
-              <a:buNone/>
-              <a:defRPr sz="1600">
+            <a:lvl7pPr marL="1944106" indent="0">
+              <a:buNone/>
+              <a:defRPr sz="1134">
                 <a:solidFill>
                   <a:schemeClr val="tx1">
                     <a:tint val="75000"/>
@@ -1096,9 +963,9 @@
                 </a:solidFill>
               </a:defRPr>
             </a:lvl7pPr>
-            <a:lvl8pPr marL="3200400" indent="0">
-              <a:buNone/>
-              <a:defRPr sz="1600">
+            <a:lvl8pPr marL="2268123" indent="0">
+              <a:buNone/>
+              <a:defRPr sz="1134">
                 <a:solidFill>
                   <a:schemeClr val="tx1">
                     <a:tint val="75000"/>
@@ -1106,9 +973,9 @@
                 </a:solidFill>
               </a:defRPr>
             </a:lvl8pPr>
-            <a:lvl9pPr marL="3657600" indent="0">
-              <a:buNone/>
-              <a:defRPr sz="1600">
+            <a:lvl9pPr marL="2592141" indent="0">
+              <a:buNone/>
+              <a:defRPr sz="1134">
                 <a:solidFill>
                   <a:schemeClr val="tx1">
                     <a:tint val="75000"/>
@@ -1128,13 +995,7 @@
       </p:sp>
       <p:sp>
         <p:nvSpPr>
-          <p:cNvPr id="4" name="Datumsplatzhalter 3">
-            <a:extLst>
-              <a:ext uri="{FF2B5EF4-FFF2-40B4-BE49-F238E27FC236}">
-                <a16:creationId xmlns:a16="http://schemas.microsoft.com/office/drawing/2014/main" id="{40443CBA-5233-5887-B768-0947504AF7FC}"/>
-              </a:ext>
-            </a:extLst>
-          </p:cNvPr>
+          <p:cNvPr id="4" name="Date Placeholder 3"/>
           <p:cNvSpPr>
             <a:spLocks noGrp="1"/>
           </p:cNvSpPr>
@@ -1149,7 +1010,7 @@
           <a:p>
             <a:fld id="{57A1D847-D3BE-4003-B33D-C7AEB0CC39FF}" type="datetimeFigureOut">
               <a:rPr lang="en-US" smtClean="0"/>
-              <a:t>6/26/2023</a:t>
+              <a:t>6/28/2023</a:t>
             </a:fld>
             <a:endParaRPr lang="en-US"/>
           </a:p>
@@ -1157,13 +1018,7 @@
       </p:sp>
       <p:sp>
         <p:nvSpPr>
-          <p:cNvPr id="5" name="Fußzeilenplatzhalter 4">
-            <a:extLst>
-              <a:ext uri="{FF2B5EF4-FFF2-40B4-BE49-F238E27FC236}">
-                <a16:creationId xmlns:a16="http://schemas.microsoft.com/office/drawing/2014/main" id="{FF9D954F-DA87-56B7-D977-8EC4B4C1B68F}"/>
-              </a:ext>
-            </a:extLst>
-          </p:cNvPr>
+          <p:cNvPr id="5" name="Footer Placeholder 4"/>
           <p:cNvSpPr>
             <a:spLocks noGrp="1"/>
           </p:cNvSpPr>
@@ -1182,13 +1037,7 @@
       </p:sp>
       <p:sp>
         <p:nvSpPr>
-          <p:cNvPr id="6" name="Foliennummernplatzhalter 5">
-            <a:extLst>
-              <a:ext uri="{FF2B5EF4-FFF2-40B4-BE49-F238E27FC236}">
-                <a16:creationId xmlns:a16="http://schemas.microsoft.com/office/drawing/2014/main" id="{3B3A6B2F-E018-7168-E0E8-CA79A35A4E7A}"/>
-              </a:ext>
-            </a:extLst>
-          </p:cNvPr>
+          <p:cNvPr id="6" name="Slide Number Placeholder 5"/>
           <p:cNvSpPr>
             <a:spLocks noGrp="1"/>
           </p:cNvSpPr>
@@ -1212,7 +1061,7 @@
     </p:spTree>
     <p:extLst>
       <p:ext uri="{BB962C8B-B14F-4D97-AF65-F5344CB8AC3E}">
-        <p14:creationId xmlns:p14="http://schemas.microsoft.com/office/powerpoint/2010/main" val="3600640297"/>
+        <p14:creationId xmlns:p14="http://schemas.microsoft.com/office/powerpoint/2010/main" val="1774650826"/>
       </p:ext>
     </p:extLst>
   </p:cSld>
@@ -1241,13 +1090,7 @@
       </p:grpSpPr>
       <p:sp>
         <p:nvSpPr>
-          <p:cNvPr id="2" name="Titel 1">
-            <a:extLst>
-              <a:ext uri="{FF2B5EF4-FFF2-40B4-BE49-F238E27FC236}">
-                <a16:creationId xmlns:a16="http://schemas.microsoft.com/office/drawing/2014/main" id="{779F3207-514B-98C5-667A-850CFC6FA148}"/>
-              </a:ext>
-            </a:extLst>
-          </p:cNvPr>
+          <p:cNvPr id="2" name="Title 1"/>
           <p:cNvSpPr>
             <a:spLocks noGrp="1"/>
           </p:cNvSpPr>
@@ -1264,19 +1107,13 @@
               <a:rPr lang="de-DE"/>
               <a:t>Mastertitelformat bearbeiten</a:t>
             </a:r>
-            <a:endParaRPr lang="en-US"/>
-          </a:p>
-        </p:txBody>
-      </p:sp>
-      <p:sp>
-        <p:nvSpPr>
-          <p:cNvPr id="3" name="Inhaltsplatzhalter 2">
-            <a:extLst>
-              <a:ext uri="{FF2B5EF4-FFF2-40B4-BE49-F238E27FC236}">
-                <a16:creationId xmlns:a16="http://schemas.microsoft.com/office/drawing/2014/main" id="{8B9A7D3F-ABF7-9C66-A62E-DB33ED357A40}"/>
-              </a:ext>
-            </a:extLst>
-          </p:cNvPr>
+            <a:endParaRPr lang="en-US" dirty="0"/>
+          </a:p>
+        </p:txBody>
+      </p:sp>
+      <p:sp>
+        <p:nvSpPr>
+          <p:cNvPr id="3" name="Content Placeholder 2"/>
           <p:cNvSpPr>
             <a:spLocks noGrp="1"/>
           </p:cNvSpPr>
@@ -1286,8 +1123,8 @@
         </p:nvSpPr>
         <p:spPr>
           <a:xfrm>
-            <a:off x="838200" y="1825625"/>
-            <a:ext cx="5181600" cy="4351338"/>
+            <a:off x="445512" y="1820976"/>
+            <a:ext cx="2754074" cy="4340259"/>
           </a:xfrm>
         </p:spPr>
         <p:txBody>
@@ -1327,19 +1164,13 @@
               <a:rPr lang="de-DE"/>
               <a:t>Fünfte Ebene</a:t>
             </a:r>
-            <a:endParaRPr lang="en-US"/>
-          </a:p>
-        </p:txBody>
-      </p:sp>
-      <p:sp>
-        <p:nvSpPr>
-          <p:cNvPr id="4" name="Inhaltsplatzhalter 3">
-            <a:extLst>
-              <a:ext uri="{FF2B5EF4-FFF2-40B4-BE49-F238E27FC236}">
-                <a16:creationId xmlns:a16="http://schemas.microsoft.com/office/drawing/2014/main" id="{34416BC9-1B15-3411-8164-87263E0F6E25}"/>
-              </a:ext>
-            </a:extLst>
-          </p:cNvPr>
+            <a:endParaRPr lang="en-US" dirty="0"/>
+          </a:p>
+        </p:txBody>
+      </p:sp>
+      <p:sp>
+        <p:nvSpPr>
+          <p:cNvPr id="4" name="Content Placeholder 3"/>
           <p:cNvSpPr>
             <a:spLocks noGrp="1"/>
           </p:cNvSpPr>
@@ -1349,8 +1180,8 @@
         </p:nvSpPr>
         <p:spPr>
           <a:xfrm>
-            <a:off x="6172200" y="1825625"/>
-            <a:ext cx="5181600" cy="4351338"/>
+            <a:off x="3280589" y="1820976"/>
+            <a:ext cx="2754074" cy="4340259"/>
           </a:xfrm>
         </p:spPr>
         <p:txBody>
@@ -1390,19 +1221,13 @@
               <a:rPr lang="de-DE"/>
               <a:t>Fünfte Ebene</a:t>
             </a:r>
-            <a:endParaRPr lang="en-US"/>
-          </a:p>
-        </p:txBody>
-      </p:sp>
-      <p:sp>
-        <p:nvSpPr>
-          <p:cNvPr id="5" name="Datumsplatzhalter 4">
-            <a:extLst>
-              <a:ext uri="{FF2B5EF4-FFF2-40B4-BE49-F238E27FC236}">
-                <a16:creationId xmlns:a16="http://schemas.microsoft.com/office/drawing/2014/main" id="{AD193981-6640-E853-2455-3CB549F1DEB3}"/>
-              </a:ext>
-            </a:extLst>
-          </p:cNvPr>
+            <a:endParaRPr lang="en-US" dirty="0"/>
+          </a:p>
+        </p:txBody>
+      </p:sp>
+      <p:sp>
+        <p:nvSpPr>
+          <p:cNvPr id="5" name="Date Placeholder 4"/>
           <p:cNvSpPr>
             <a:spLocks noGrp="1"/>
           </p:cNvSpPr>
@@ -1417,7 +1242,7 @@
           <a:p>
             <a:fld id="{57A1D847-D3BE-4003-B33D-C7AEB0CC39FF}" type="datetimeFigureOut">
               <a:rPr lang="en-US" smtClean="0"/>
-              <a:t>6/26/2023</a:t>
+              <a:t>6/28/2023</a:t>
             </a:fld>
             <a:endParaRPr lang="en-US"/>
           </a:p>
@@ -1425,13 +1250,7 @@
       </p:sp>
       <p:sp>
         <p:nvSpPr>
-          <p:cNvPr id="6" name="Fußzeilenplatzhalter 5">
-            <a:extLst>
-              <a:ext uri="{FF2B5EF4-FFF2-40B4-BE49-F238E27FC236}">
-                <a16:creationId xmlns:a16="http://schemas.microsoft.com/office/drawing/2014/main" id="{E237DC4F-3350-BEBD-CF8E-2B45CACBA37A}"/>
-              </a:ext>
-            </a:extLst>
-          </p:cNvPr>
+          <p:cNvPr id="6" name="Footer Placeholder 5"/>
           <p:cNvSpPr>
             <a:spLocks noGrp="1"/>
           </p:cNvSpPr>
@@ -1450,13 +1269,7 @@
       </p:sp>
       <p:sp>
         <p:nvSpPr>
-          <p:cNvPr id="7" name="Foliennummernplatzhalter 6">
-            <a:extLst>
-              <a:ext uri="{FF2B5EF4-FFF2-40B4-BE49-F238E27FC236}">
-                <a16:creationId xmlns:a16="http://schemas.microsoft.com/office/drawing/2014/main" id="{2B9692FA-9996-ABEC-7AD1-787852EB310A}"/>
-              </a:ext>
-            </a:extLst>
-          </p:cNvPr>
+          <p:cNvPr id="7" name="Slide Number Placeholder 6"/>
           <p:cNvSpPr>
             <a:spLocks noGrp="1"/>
           </p:cNvSpPr>
@@ -1480,7 +1293,7 @@
     </p:spTree>
     <p:extLst>
       <p:ext uri="{BB962C8B-B14F-4D97-AF65-F5344CB8AC3E}">
-        <p14:creationId xmlns:p14="http://schemas.microsoft.com/office/powerpoint/2010/main" val="865479360"/>
+        <p14:creationId xmlns:p14="http://schemas.microsoft.com/office/powerpoint/2010/main" val="2738353906"/>
       </p:ext>
     </p:extLst>
   </p:cSld>
@@ -1509,13 +1322,7 @@
       </p:grpSpPr>
       <p:sp>
         <p:nvSpPr>
-          <p:cNvPr id="2" name="Titel 1">
-            <a:extLst>
-              <a:ext uri="{FF2B5EF4-FFF2-40B4-BE49-F238E27FC236}">
-                <a16:creationId xmlns:a16="http://schemas.microsoft.com/office/drawing/2014/main" id="{898CCE0F-AC1C-3497-C1FF-80F5B23BA6A7}"/>
-              </a:ext>
-            </a:extLst>
-          </p:cNvPr>
+          <p:cNvPr id="2" name="Title 1"/>
           <p:cNvSpPr>
             <a:spLocks noGrp="1"/>
           </p:cNvSpPr>
@@ -1525,8 +1332,8 @@
         </p:nvSpPr>
         <p:spPr>
           <a:xfrm>
-            <a:off x="839788" y="365125"/>
-            <a:ext cx="10515600" cy="1325563"/>
+            <a:off x="446356" y="364197"/>
+            <a:ext cx="5589151" cy="1322188"/>
           </a:xfrm>
         </p:spPr>
         <p:txBody>
@@ -1537,19 +1344,13 @@
               <a:rPr lang="de-DE"/>
               <a:t>Mastertitelformat bearbeiten</a:t>
             </a:r>
-            <a:endParaRPr lang="en-US"/>
-          </a:p>
-        </p:txBody>
-      </p:sp>
-      <p:sp>
-        <p:nvSpPr>
-          <p:cNvPr id="3" name="Textplatzhalter 2">
-            <a:extLst>
-              <a:ext uri="{FF2B5EF4-FFF2-40B4-BE49-F238E27FC236}">
-                <a16:creationId xmlns:a16="http://schemas.microsoft.com/office/drawing/2014/main" id="{DB6E2552-66B5-AB3F-16A4-3EDF0C690A89}"/>
-              </a:ext>
-            </a:extLst>
-          </p:cNvPr>
+            <a:endParaRPr lang="en-US" dirty="0"/>
+          </a:p>
+        </p:txBody>
+      </p:sp>
+      <p:sp>
+        <p:nvSpPr>
+          <p:cNvPr id="3" name="Text Placeholder 2"/>
           <p:cNvSpPr>
             <a:spLocks noGrp="1"/>
           </p:cNvSpPr>
@@ -1559,8 +1360,8 @@
         </p:nvSpPr>
         <p:spPr>
           <a:xfrm>
-            <a:off x="839788" y="1681163"/>
-            <a:ext cx="5157787" cy="823912"/>
+            <a:off x="446357" y="1676882"/>
+            <a:ext cx="2741417" cy="821814"/>
           </a:xfrm>
         </p:spPr>
         <p:txBody>
@@ -1568,39 +1369,39 @@
           <a:lstStyle>
             <a:lvl1pPr marL="0" indent="0">
               <a:buNone/>
-              <a:defRPr sz="2400" b="1"/>
+              <a:defRPr sz="1701" b="1"/>
             </a:lvl1pPr>
-            <a:lvl2pPr marL="457200" indent="0">
-              <a:buNone/>
-              <a:defRPr sz="2000" b="1"/>
+            <a:lvl2pPr marL="324018" indent="0">
+              <a:buNone/>
+              <a:defRPr sz="1417" b="1"/>
             </a:lvl2pPr>
-            <a:lvl3pPr marL="914400" indent="0">
-              <a:buNone/>
-              <a:defRPr sz="1800" b="1"/>
+            <a:lvl3pPr marL="648035" indent="0">
+              <a:buNone/>
+              <a:defRPr sz="1276" b="1"/>
             </a:lvl3pPr>
-            <a:lvl4pPr marL="1371600" indent="0">
-              <a:buNone/>
-              <a:defRPr sz="1600" b="1"/>
+            <a:lvl4pPr marL="972053" indent="0">
+              <a:buNone/>
+              <a:defRPr sz="1134" b="1"/>
             </a:lvl4pPr>
-            <a:lvl5pPr marL="1828800" indent="0">
-              <a:buNone/>
-              <a:defRPr sz="1600" b="1"/>
+            <a:lvl5pPr marL="1296071" indent="0">
+              <a:buNone/>
+              <a:defRPr sz="1134" b="1"/>
             </a:lvl5pPr>
-            <a:lvl6pPr marL="2286000" indent="0">
-              <a:buNone/>
-              <a:defRPr sz="1600" b="1"/>
+            <a:lvl6pPr marL="1620088" indent="0">
+              <a:buNone/>
+              <a:defRPr sz="1134" b="1"/>
             </a:lvl6pPr>
-            <a:lvl7pPr marL="2743200" indent="0">
-              <a:buNone/>
-              <a:defRPr sz="1600" b="1"/>
+            <a:lvl7pPr marL="1944106" indent="0">
+              <a:buNone/>
+              <a:defRPr sz="1134" b="1"/>
             </a:lvl7pPr>
-            <a:lvl8pPr marL="3200400" indent="0">
-              <a:buNone/>
-              <a:defRPr sz="1600" b="1"/>
+            <a:lvl8pPr marL="2268123" indent="0">
+              <a:buNone/>
+              <a:defRPr sz="1134" b="1"/>
             </a:lvl8pPr>
-            <a:lvl9pPr marL="3657600" indent="0">
-              <a:buNone/>
-              <a:defRPr sz="1600" b="1"/>
+            <a:lvl9pPr marL="2592141" indent="0">
+              <a:buNone/>
+              <a:defRPr sz="1134" b="1"/>
             </a:lvl9pPr>
           </a:lstStyle>
           <a:p>
@@ -1614,13 +1415,7 @@
       </p:sp>
       <p:sp>
         <p:nvSpPr>
-          <p:cNvPr id="4" name="Inhaltsplatzhalter 3">
-            <a:extLst>
-              <a:ext uri="{FF2B5EF4-FFF2-40B4-BE49-F238E27FC236}">
-                <a16:creationId xmlns:a16="http://schemas.microsoft.com/office/drawing/2014/main" id="{C71244DC-38AF-D5CA-0AB8-7605983AEDAC}"/>
-              </a:ext>
-            </a:extLst>
-          </p:cNvPr>
+          <p:cNvPr id="4" name="Content Placeholder 3"/>
           <p:cNvSpPr>
             <a:spLocks noGrp="1"/>
           </p:cNvSpPr>
@@ -1630,8 +1425,8 @@
         </p:nvSpPr>
         <p:spPr>
           <a:xfrm>
-            <a:off x="839788" y="2505075"/>
-            <a:ext cx="5157787" cy="3684588"/>
+            <a:off x="446357" y="2498697"/>
+            <a:ext cx="2741417" cy="3675206"/>
           </a:xfrm>
         </p:spPr>
         <p:txBody>
@@ -1671,19 +1466,13 @@
               <a:rPr lang="de-DE"/>
               <a:t>Fünfte Ebene</a:t>
             </a:r>
-            <a:endParaRPr lang="en-US"/>
-          </a:p>
-        </p:txBody>
-      </p:sp>
-      <p:sp>
-        <p:nvSpPr>
-          <p:cNvPr id="5" name="Textplatzhalter 4">
-            <a:extLst>
-              <a:ext uri="{FF2B5EF4-FFF2-40B4-BE49-F238E27FC236}">
-                <a16:creationId xmlns:a16="http://schemas.microsoft.com/office/drawing/2014/main" id="{0ED1A3C4-423E-FDD5-D2F3-EE4BCD01DEF4}"/>
-              </a:ext>
-            </a:extLst>
-          </p:cNvPr>
+            <a:endParaRPr lang="en-US" dirty="0"/>
+          </a:p>
+        </p:txBody>
+      </p:sp>
+      <p:sp>
+        <p:nvSpPr>
+          <p:cNvPr id="5" name="Text Placeholder 4"/>
           <p:cNvSpPr>
             <a:spLocks noGrp="1"/>
           </p:cNvSpPr>
@@ -1693,8 +1482,8 @@
         </p:nvSpPr>
         <p:spPr>
           <a:xfrm>
-            <a:off x="6172200" y="1681163"/>
-            <a:ext cx="5183188" cy="823912"/>
+            <a:off x="3280589" y="1676882"/>
+            <a:ext cx="2754918" cy="821814"/>
           </a:xfrm>
         </p:spPr>
         <p:txBody>
@@ -1702,39 +1491,39 @@
           <a:lstStyle>
             <a:lvl1pPr marL="0" indent="0">
               <a:buNone/>
-              <a:defRPr sz="2400" b="1"/>
+              <a:defRPr sz="1701" b="1"/>
             </a:lvl1pPr>
-            <a:lvl2pPr marL="457200" indent="0">
-              <a:buNone/>
-              <a:defRPr sz="2000" b="1"/>
+            <a:lvl2pPr marL="324018" indent="0">
+              <a:buNone/>
+              <a:defRPr sz="1417" b="1"/>
             </a:lvl2pPr>
-            <a:lvl3pPr marL="914400" indent="0">
-              <a:buNone/>
-              <a:defRPr sz="1800" b="1"/>
+            <a:lvl3pPr marL="648035" indent="0">
+              <a:buNone/>
+              <a:defRPr sz="1276" b="1"/>
             </a:lvl3pPr>
-            <a:lvl4pPr marL="1371600" indent="0">
-              <a:buNone/>
-              <a:defRPr sz="1600" b="1"/>
+            <a:lvl4pPr marL="972053" indent="0">
+              <a:buNone/>
+              <a:defRPr sz="1134" b="1"/>
             </a:lvl4pPr>
-            <a:lvl5pPr marL="1828800" indent="0">
-              <a:buNone/>
-              <a:defRPr sz="1600" b="1"/>
+            <a:lvl5pPr marL="1296071" indent="0">
+              <a:buNone/>
+              <a:defRPr sz="1134" b="1"/>
             </a:lvl5pPr>
-            <a:lvl6pPr marL="2286000" indent="0">
-              <a:buNone/>
-              <a:defRPr sz="1600" b="1"/>
+            <a:lvl6pPr marL="1620088" indent="0">
+              <a:buNone/>
+              <a:defRPr sz="1134" b="1"/>
             </a:lvl6pPr>
-            <a:lvl7pPr marL="2743200" indent="0">
-              <a:buNone/>
-              <a:defRPr sz="1600" b="1"/>
+            <a:lvl7pPr marL="1944106" indent="0">
+              <a:buNone/>
+              <a:defRPr sz="1134" b="1"/>
             </a:lvl7pPr>
-            <a:lvl8pPr marL="3200400" indent="0">
-              <a:buNone/>
-              <a:defRPr sz="1600" b="1"/>
+            <a:lvl8pPr marL="2268123" indent="0">
+              <a:buNone/>
+              <a:defRPr sz="1134" b="1"/>
             </a:lvl8pPr>
-            <a:lvl9pPr marL="3657600" indent="0">
-              <a:buNone/>
-              <a:defRPr sz="1600" b="1"/>
+            <a:lvl9pPr marL="2592141" indent="0">
+              <a:buNone/>
+              <a:defRPr sz="1134" b="1"/>
             </a:lvl9pPr>
           </a:lstStyle>
           <a:p>
@@ -1748,13 +1537,7 @@
       </p:sp>
       <p:sp>
         <p:nvSpPr>
-          <p:cNvPr id="6" name="Inhaltsplatzhalter 5">
-            <a:extLst>
-              <a:ext uri="{FF2B5EF4-FFF2-40B4-BE49-F238E27FC236}">
-                <a16:creationId xmlns:a16="http://schemas.microsoft.com/office/drawing/2014/main" id="{54ABD740-1EF7-0102-FF52-4CCEA08419F7}"/>
-              </a:ext>
-            </a:extLst>
-          </p:cNvPr>
+          <p:cNvPr id="6" name="Content Placeholder 5"/>
           <p:cNvSpPr>
             <a:spLocks noGrp="1"/>
           </p:cNvSpPr>
@@ -1764,8 +1547,8 @@
         </p:nvSpPr>
         <p:spPr>
           <a:xfrm>
-            <a:off x="6172200" y="2505075"/>
-            <a:ext cx="5183188" cy="3684588"/>
+            <a:off x="3280589" y="2498697"/>
+            <a:ext cx="2754918" cy="3675206"/>
           </a:xfrm>
         </p:spPr>
         <p:txBody>
@@ -1805,19 +1588,13 @@
               <a:rPr lang="de-DE"/>
               <a:t>Fünfte Ebene</a:t>
             </a:r>
-            <a:endParaRPr lang="en-US"/>
-          </a:p>
-        </p:txBody>
-      </p:sp>
-      <p:sp>
-        <p:nvSpPr>
-          <p:cNvPr id="7" name="Datumsplatzhalter 6">
-            <a:extLst>
-              <a:ext uri="{FF2B5EF4-FFF2-40B4-BE49-F238E27FC236}">
-                <a16:creationId xmlns:a16="http://schemas.microsoft.com/office/drawing/2014/main" id="{E915940C-F8BD-00C6-DBF0-6EA189F5D192}"/>
-              </a:ext>
-            </a:extLst>
-          </p:cNvPr>
+            <a:endParaRPr lang="en-US" dirty="0"/>
+          </a:p>
+        </p:txBody>
+      </p:sp>
+      <p:sp>
+        <p:nvSpPr>
+          <p:cNvPr id="7" name="Date Placeholder 6"/>
           <p:cNvSpPr>
             <a:spLocks noGrp="1"/>
           </p:cNvSpPr>
@@ -1832,7 +1609,7 @@
           <a:p>
             <a:fld id="{57A1D847-D3BE-4003-B33D-C7AEB0CC39FF}" type="datetimeFigureOut">
               <a:rPr lang="en-US" smtClean="0"/>
-              <a:t>6/26/2023</a:t>
+              <a:t>6/28/2023</a:t>
             </a:fld>
             <a:endParaRPr lang="en-US"/>
           </a:p>
@@ -1840,13 +1617,7 @@
       </p:sp>
       <p:sp>
         <p:nvSpPr>
-          <p:cNvPr id="8" name="Fußzeilenplatzhalter 7">
-            <a:extLst>
-              <a:ext uri="{FF2B5EF4-FFF2-40B4-BE49-F238E27FC236}">
-                <a16:creationId xmlns:a16="http://schemas.microsoft.com/office/drawing/2014/main" id="{29DA1DB6-50D4-F689-7748-CDE19D73A795}"/>
-              </a:ext>
-            </a:extLst>
-          </p:cNvPr>
+          <p:cNvPr id="8" name="Footer Placeholder 7"/>
           <p:cNvSpPr>
             <a:spLocks noGrp="1"/>
           </p:cNvSpPr>
@@ -1865,13 +1636,7 @@
       </p:sp>
       <p:sp>
         <p:nvSpPr>
-          <p:cNvPr id="9" name="Foliennummernplatzhalter 8">
-            <a:extLst>
-              <a:ext uri="{FF2B5EF4-FFF2-40B4-BE49-F238E27FC236}">
-                <a16:creationId xmlns:a16="http://schemas.microsoft.com/office/drawing/2014/main" id="{FCB122B5-6F3C-C2E8-D40D-18CD5BD8B6D5}"/>
-              </a:ext>
-            </a:extLst>
-          </p:cNvPr>
+          <p:cNvPr id="9" name="Slide Number Placeholder 8"/>
           <p:cNvSpPr>
             <a:spLocks noGrp="1"/>
           </p:cNvSpPr>
@@ -1895,7 +1660,7 @@
     </p:spTree>
     <p:extLst>
       <p:ext uri="{BB962C8B-B14F-4D97-AF65-F5344CB8AC3E}">
-        <p14:creationId xmlns:p14="http://schemas.microsoft.com/office/powerpoint/2010/main" val="604869574"/>
+        <p14:creationId xmlns:p14="http://schemas.microsoft.com/office/powerpoint/2010/main" val="3734039469"/>
       </p:ext>
     </p:extLst>
   </p:cSld>
@@ -1924,13 +1689,7 @@
       </p:grpSpPr>
       <p:sp>
         <p:nvSpPr>
-          <p:cNvPr id="2" name="Titel 1">
-            <a:extLst>
-              <a:ext uri="{FF2B5EF4-FFF2-40B4-BE49-F238E27FC236}">
-                <a16:creationId xmlns:a16="http://schemas.microsoft.com/office/drawing/2014/main" id="{32607505-6D31-79B8-1F22-36EB96E7618D}"/>
-              </a:ext>
-            </a:extLst>
-          </p:cNvPr>
+          <p:cNvPr id="2" name="Title 1"/>
           <p:cNvSpPr>
             <a:spLocks noGrp="1"/>
           </p:cNvSpPr>
@@ -1947,19 +1706,13 @@
               <a:rPr lang="de-DE"/>
               <a:t>Mastertitelformat bearbeiten</a:t>
             </a:r>
-            <a:endParaRPr lang="en-US"/>
-          </a:p>
-        </p:txBody>
-      </p:sp>
-      <p:sp>
-        <p:nvSpPr>
-          <p:cNvPr id="3" name="Datumsplatzhalter 2">
-            <a:extLst>
-              <a:ext uri="{FF2B5EF4-FFF2-40B4-BE49-F238E27FC236}">
-                <a16:creationId xmlns:a16="http://schemas.microsoft.com/office/drawing/2014/main" id="{64F34109-D645-4317-1FCC-EDC018D1FE31}"/>
-              </a:ext>
-            </a:extLst>
-          </p:cNvPr>
+            <a:endParaRPr lang="en-US" dirty="0"/>
+          </a:p>
+        </p:txBody>
+      </p:sp>
+      <p:sp>
+        <p:nvSpPr>
+          <p:cNvPr id="3" name="Date Placeholder 2"/>
           <p:cNvSpPr>
             <a:spLocks noGrp="1"/>
           </p:cNvSpPr>
@@ -1974,7 +1727,7 @@
           <a:p>
             <a:fld id="{57A1D847-D3BE-4003-B33D-C7AEB0CC39FF}" type="datetimeFigureOut">
               <a:rPr lang="en-US" smtClean="0"/>
-              <a:t>6/26/2023</a:t>
+              <a:t>6/28/2023</a:t>
             </a:fld>
             <a:endParaRPr lang="en-US"/>
           </a:p>
@@ -1982,13 +1735,7 @@
       </p:sp>
       <p:sp>
         <p:nvSpPr>
-          <p:cNvPr id="4" name="Fußzeilenplatzhalter 3">
-            <a:extLst>
-              <a:ext uri="{FF2B5EF4-FFF2-40B4-BE49-F238E27FC236}">
-                <a16:creationId xmlns:a16="http://schemas.microsoft.com/office/drawing/2014/main" id="{D614D39D-6C8A-2A6F-70AE-C3B6B8E06F7C}"/>
-              </a:ext>
-            </a:extLst>
-          </p:cNvPr>
+          <p:cNvPr id="4" name="Footer Placeholder 3"/>
           <p:cNvSpPr>
             <a:spLocks noGrp="1"/>
           </p:cNvSpPr>
@@ -2007,13 +1754,7 @@
       </p:sp>
       <p:sp>
         <p:nvSpPr>
-          <p:cNvPr id="5" name="Foliennummernplatzhalter 4">
-            <a:extLst>
-              <a:ext uri="{FF2B5EF4-FFF2-40B4-BE49-F238E27FC236}">
-                <a16:creationId xmlns:a16="http://schemas.microsoft.com/office/drawing/2014/main" id="{FE1B0311-CC6F-EFED-31C6-6E9ADD04278E}"/>
-              </a:ext>
-            </a:extLst>
-          </p:cNvPr>
+          <p:cNvPr id="5" name="Slide Number Placeholder 4"/>
           <p:cNvSpPr>
             <a:spLocks noGrp="1"/>
           </p:cNvSpPr>
@@ -2037,7 +1778,7 @@
     </p:spTree>
     <p:extLst>
       <p:ext uri="{BB962C8B-B14F-4D97-AF65-F5344CB8AC3E}">
-        <p14:creationId xmlns:p14="http://schemas.microsoft.com/office/powerpoint/2010/main" val="3008386173"/>
+        <p14:creationId xmlns:p14="http://schemas.microsoft.com/office/powerpoint/2010/main" val="2200057920"/>
       </p:ext>
     </p:extLst>
   </p:cSld>
@@ -2066,13 +1807,7 @@
       </p:grpSpPr>
       <p:sp>
         <p:nvSpPr>
-          <p:cNvPr id="2" name="Datumsplatzhalter 1">
-            <a:extLst>
-              <a:ext uri="{FF2B5EF4-FFF2-40B4-BE49-F238E27FC236}">
-                <a16:creationId xmlns:a16="http://schemas.microsoft.com/office/drawing/2014/main" id="{01561DF1-C2F1-4AA7-8A50-575D74D18BBD}"/>
-              </a:ext>
-            </a:extLst>
-          </p:cNvPr>
+          <p:cNvPr id="2" name="Date Placeholder 1"/>
           <p:cNvSpPr>
             <a:spLocks noGrp="1"/>
           </p:cNvSpPr>
@@ -2087,7 +1822,7 @@
           <a:p>
             <a:fld id="{57A1D847-D3BE-4003-B33D-C7AEB0CC39FF}" type="datetimeFigureOut">
               <a:rPr lang="en-US" smtClean="0"/>
-              <a:t>6/26/2023</a:t>
+              <a:t>6/28/2023</a:t>
             </a:fld>
             <a:endParaRPr lang="en-US"/>
           </a:p>
@@ -2095,13 +1830,7 @@
       </p:sp>
       <p:sp>
         <p:nvSpPr>
-          <p:cNvPr id="3" name="Fußzeilenplatzhalter 2">
-            <a:extLst>
-              <a:ext uri="{FF2B5EF4-FFF2-40B4-BE49-F238E27FC236}">
-                <a16:creationId xmlns:a16="http://schemas.microsoft.com/office/drawing/2014/main" id="{89B6AC62-EC81-5D28-6C5B-B98628521301}"/>
-              </a:ext>
-            </a:extLst>
-          </p:cNvPr>
+          <p:cNvPr id="3" name="Footer Placeholder 2"/>
           <p:cNvSpPr>
             <a:spLocks noGrp="1"/>
           </p:cNvSpPr>
@@ -2120,13 +1849,7 @@
       </p:sp>
       <p:sp>
         <p:nvSpPr>
-          <p:cNvPr id="4" name="Foliennummernplatzhalter 3">
-            <a:extLst>
-              <a:ext uri="{FF2B5EF4-FFF2-40B4-BE49-F238E27FC236}">
-                <a16:creationId xmlns:a16="http://schemas.microsoft.com/office/drawing/2014/main" id="{7485CF0C-EB2A-EAA3-D54F-2C4385C426A6}"/>
-              </a:ext>
-            </a:extLst>
-          </p:cNvPr>
+          <p:cNvPr id="4" name="Slide Number Placeholder 3"/>
           <p:cNvSpPr>
             <a:spLocks noGrp="1"/>
           </p:cNvSpPr>
@@ -2150,7 +1873,7 @@
     </p:spTree>
     <p:extLst>
       <p:ext uri="{BB962C8B-B14F-4D97-AF65-F5344CB8AC3E}">
-        <p14:creationId xmlns:p14="http://schemas.microsoft.com/office/powerpoint/2010/main" val="508136814"/>
+        <p14:creationId xmlns:p14="http://schemas.microsoft.com/office/powerpoint/2010/main" val="3551555300"/>
       </p:ext>
     </p:extLst>
   </p:cSld>
@@ -2179,13 +1902,7 @@
       </p:grpSpPr>
       <p:sp>
         <p:nvSpPr>
-          <p:cNvPr id="2" name="Titel 1">
-            <a:extLst>
-              <a:ext uri="{FF2B5EF4-FFF2-40B4-BE49-F238E27FC236}">
-                <a16:creationId xmlns:a16="http://schemas.microsoft.com/office/drawing/2014/main" id="{5501334D-39B1-235D-599B-73705F182E6C}"/>
-              </a:ext>
-            </a:extLst>
-          </p:cNvPr>
+          <p:cNvPr id="2" name="Title 1"/>
           <p:cNvSpPr>
             <a:spLocks noGrp="1"/>
           </p:cNvSpPr>
@@ -2195,15 +1912,15 @@
         </p:nvSpPr>
         <p:spPr>
           <a:xfrm>
-            <a:off x="839788" y="457200"/>
-            <a:ext cx="3932237" cy="1600200"/>
+            <a:off x="446356" y="456036"/>
+            <a:ext cx="2090025" cy="1596126"/>
           </a:xfrm>
         </p:spPr>
         <p:txBody>
           <a:bodyPr anchor="b"/>
           <a:lstStyle>
             <a:lvl1pPr>
-              <a:defRPr sz="3200"/>
+              <a:defRPr sz="2268"/>
             </a:lvl1pPr>
           </a:lstStyle>
           <a:p>
@@ -2211,19 +1928,13 @@
               <a:rPr lang="de-DE"/>
               <a:t>Mastertitelformat bearbeiten</a:t>
             </a:r>
-            <a:endParaRPr lang="en-US"/>
-          </a:p>
-        </p:txBody>
-      </p:sp>
-      <p:sp>
-        <p:nvSpPr>
-          <p:cNvPr id="3" name="Inhaltsplatzhalter 2">
-            <a:extLst>
-              <a:ext uri="{FF2B5EF4-FFF2-40B4-BE49-F238E27FC236}">
-                <a16:creationId xmlns:a16="http://schemas.microsoft.com/office/drawing/2014/main" id="{D04CC050-C52F-2C2E-5FEE-76852F060C7A}"/>
-              </a:ext>
-            </a:extLst>
-          </p:cNvPr>
+            <a:endParaRPr lang="en-US" dirty="0"/>
+          </a:p>
+        </p:txBody>
+      </p:sp>
+      <p:sp>
+        <p:nvSpPr>
+          <p:cNvPr id="3" name="Content Placeholder 2"/>
           <p:cNvSpPr>
             <a:spLocks noGrp="1"/>
           </p:cNvSpPr>
@@ -2233,39 +1944,39 @@
         </p:nvSpPr>
         <p:spPr>
           <a:xfrm>
-            <a:off x="5183188" y="987425"/>
-            <a:ext cx="6172200" cy="4873625"/>
+            <a:off x="2754918" y="984912"/>
+            <a:ext cx="3280589" cy="4861216"/>
           </a:xfrm>
         </p:spPr>
         <p:txBody>
           <a:bodyPr/>
           <a:lstStyle>
             <a:lvl1pPr>
-              <a:defRPr sz="3200"/>
+              <a:defRPr sz="2268"/>
             </a:lvl1pPr>
             <a:lvl2pPr>
-              <a:defRPr sz="2800"/>
+              <a:defRPr sz="1984"/>
             </a:lvl2pPr>
             <a:lvl3pPr>
-              <a:defRPr sz="2400"/>
+              <a:defRPr sz="1701"/>
             </a:lvl3pPr>
             <a:lvl4pPr>
-              <a:defRPr sz="2000"/>
+              <a:defRPr sz="1417"/>
             </a:lvl4pPr>
             <a:lvl5pPr>
-              <a:defRPr sz="2000"/>
+              <a:defRPr sz="1417"/>
             </a:lvl5pPr>
             <a:lvl6pPr>
-              <a:defRPr sz="2000"/>
+              <a:defRPr sz="1417"/>
             </a:lvl6pPr>
             <a:lvl7pPr>
-              <a:defRPr sz="2000"/>
+              <a:defRPr sz="1417"/>
             </a:lvl7pPr>
             <a:lvl8pPr>
-              <a:defRPr sz="2000"/>
+              <a:defRPr sz="1417"/>
             </a:lvl8pPr>
             <a:lvl9pPr>
-              <a:defRPr sz="2000"/>
+              <a:defRPr sz="1417"/>
             </a:lvl9pPr>
           </a:lstStyle>
           <a:p>
@@ -2302,19 +2013,13 @@
               <a:rPr lang="de-DE"/>
               <a:t>Fünfte Ebene</a:t>
             </a:r>
-            <a:endParaRPr lang="en-US"/>
-          </a:p>
-        </p:txBody>
-      </p:sp>
-      <p:sp>
-        <p:nvSpPr>
-          <p:cNvPr id="4" name="Textplatzhalter 3">
-            <a:extLst>
-              <a:ext uri="{FF2B5EF4-FFF2-40B4-BE49-F238E27FC236}">
-                <a16:creationId xmlns:a16="http://schemas.microsoft.com/office/drawing/2014/main" id="{81970469-A9CA-D1D6-596B-9ADD19DD3424}"/>
-              </a:ext>
-            </a:extLst>
-          </p:cNvPr>
+            <a:endParaRPr lang="en-US" dirty="0"/>
+          </a:p>
+        </p:txBody>
+      </p:sp>
+      <p:sp>
+        <p:nvSpPr>
+          <p:cNvPr id="4" name="Text Placeholder 3"/>
           <p:cNvSpPr>
             <a:spLocks noGrp="1"/>
           </p:cNvSpPr>
@@ -2324,8 +2029,8 @@
         </p:nvSpPr>
         <p:spPr>
           <a:xfrm>
-            <a:off x="839788" y="2057400"/>
-            <a:ext cx="3932237" cy="3811588"/>
+            <a:off x="446356" y="2052161"/>
+            <a:ext cx="2090025" cy="3801883"/>
           </a:xfrm>
         </p:spPr>
         <p:txBody>
@@ -2333,39 +2038,39 @@
           <a:lstStyle>
             <a:lvl1pPr marL="0" indent="0">
               <a:buNone/>
-              <a:defRPr sz="1600"/>
+              <a:defRPr sz="1134"/>
             </a:lvl1pPr>
-            <a:lvl2pPr marL="457200" indent="0">
-              <a:buNone/>
-              <a:defRPr sz="1400"/>
+            <a:lvl2pPr marL="324018" indent="0">
+              <a:buNone/>
+              <a:defRPr sz="992"/>
             </a:lvl2pPr>
-            <a:lvl3pPr marL="914400" indent="0">
-              <a:buNone/>
-              <a:defRPr sz="1200"/>
+            <a:lvl3pPr marL="648035" indent="0">
+              <a:buNone/>
+              <a:defRPr sz="850"/>
             </a:lvl3pPr>
-            <a:lvl4pPr marL="1371600" indent="0">
-              <a:buNone/>
-              <a:defRPr sz="1000"/>
+            <a:lvl4pPr marL="972053" indent="0">
+              <a:buNone/>
+              <a:defRPr sz="709"/>
             </a:lvl4pPr>
-            <a:lvl5pPr marL="1828800" indent="0">
-              <a:buNone/>
-              <a:defRPr sz="1000"/>
+            <a:lvl5pPr marL="1296071" indent="0">
+              <a:buNone/>
+              <a:defRPr sz="709"/>
             </a:lvl5pPr>
-            <a:lvl6pPr marL="2286000" indent="0">
-              <a:buNone/>
-              <a:defRPr sz="1000"/>
+            <a:lvl6pPr marL="1620088" indent="0">
+              <a:buNone/>
+              <a:defRPr sz="709"/>
             </a:lvl6pPr>
-            <a:lvl7pPr marL="2743200" indent="0">
-              <a:buNone/>
-              <a:defRPr sz="1000"/>
+            <a:lvl7pPr marL="1944106" indent="0">
+              <a:buNone/>
+              <a:defRPr sz="709"/>
             </a:lvl7pPr>
-            <a:lvl8pPr marL="3200400" indent="0">
-              <a:buNone/>
-              <a:defRPr sz="1000"/>
+            <a:lvl8pPr marL="2268123" indent="0">
+              <a:buNone/>
+              <a:defRPr sz="709"/>
             </a:lvl8pPr>
-            <a:lvl9pPr marL="3657600" indent="0">
-              <a:buNone/>
-              <a:defRPr sz="1000"/>
+            <a:lvl9pPr marL="2592141" indent="0">
+              <a:buNone/>
+              <a:defRPr sz="709"/>
             </a:lvl9pPr>
           </a:lstStyle>
           <a:p>
@@ -2379,13 +2084,7 @@
       </p:sp>
       <p:sp>
         <p:nvSpPr>
-          <p:cNvPr id="5" name="Datumsplatzhalter 4">
-            <a:extLst>
-              <a:ext uri="{FF2B5EF4-FFF2-40B4-BE49-F238E27FC236}">
-                <a16:creationId xmlns:a16="http://schemas.microsoft.com/office/drawing/2014/main" id="{A5EBFFF8-915E-1B9C-70E4-DE2A3F19C195}"/>
-              </a:ext>
-            </a:extLst>
-          </p:cNvPr>
+          <p:cNvPr id="5" name="Date Placeholder 4"/>
           <p:cNvSpPr>
             <a:spLocks noGrp="1"/>
           </p:cNvSpPr>
@@ -2400,7 +2099,7 @@
           <a:p>
             <a:fld id="{57A1D847-D3BE-4003-B33D-C7AEB0CC39FF}" type="datetimeFigureOut">
               <a:rPr lang="en-US" smtClean="0"/>
-              <a:t>6/26/2023</a:t>
+              <a:t>6/28/2023</a:t>
             </a:fld>
             <a:endParaRPr lang="en-US"/>
           </a:p>
@@ -2408,13 +2107,7 @@
       </p:sp>
       <p:sp>
         <p:nvSpPr>
-          <p:cNvPr id="6" name="Fußzeilenplatzhalter 5">
-            <a:extLst>
-              <a:ext uri="{FF2B5EF4-FFF2-40B4-BE49-F238E27FC236}">
-                <a16:creationId xmlns:a16="http://schemas.microsoft.com/office/drawing/2014/main" id="{38C31ECE-BE72-5C7F-5294-C8BEC8AECC1C}"/>
-              </a:ext>
-            </a:extLst>
-          </p:cNvPr>
+          <p:cNvPr id="6" name="Footer Placeholder 5"/>
           <p:cNvSpPr>
             <a:spLocks noGrp="1"/>
           </p:cNvSpPr>
@@ -2433,13 +2126,7 @@
       </p:sp>
       <p:sp>
         <p:nvSpPr>
-          <p:cNvPr id="7" name="Foliennummernplatzhalter 6">
-            <a:extLst>
-              <a:ext uri="{FF2B5EF4-FFF2-40B4-BE49-F238E27FC236}">
-                <a16:creationId xmlns:a16="http://schemas.microsoft.com/office/drawing/2014/main" id="{DEFFF854-B090-3671-536A-CF29A9841F12}"/>
-              </a:ext>
-            </a:extLst>
-          </p:cNvPr>
+          <p:cNvPr id="7" name="Slide Number Placeholder 6"/>
           <p:cNvSpPr>
             <a:spLocks noGrp="1"/>
           </p:cNvSpPr>
@@ -2463,7 +2150,7 @@
     </p:spTree>
     <p:extLst>
       <p:ext uri="{BB962C8B-B14F-4D97-AF65-F5344CB8AC3E}">
-        <p14:creationId xmlns:p14="http://schemas.microsoft.com/office/powerpoint/2010/main" val="1913051577"/>
+        <p14:creationId xmlns:p14="http://schemas.microsoft.com/office/powerpoint/2010/main" val="585198229"/>
       </p:ext>
     </p:extLst>
   </p:cSld>
@@ -2492,13 +2179,7 @@
       </p:grpSpPr>
       <p:sp>
         <p:nvSpPr>
-          <p:cNvPr id="2" name="Titel 1">
-            <a:extLst>
-              <a:ext uri="{FF2B5EF4-FFF2-40B4-BE49-F238E27FC236}">
-                <a16:creationId xmlns:a16="http://schemas.microsoft.com/office/drawing/2014/main" id="{3D79A1F6-D2F1-0E94-1232-3E5C152894BB}"/>
-              </a:ext>
-            </a:extLst>
-          </p:cNvPr>
+          <p:cNvPr id="2" name="Title 1"/>
           <p:cNvSpPr>
             <a:spLocks noGrp="1"/>
           </p:cNvSpPr>
@@ -2508,15 +2189,15 @@
         </p:nvSpPr>
         <p:spPr>
           <a:xfrm>
-            <a:off x="839788" y="457200"/>
-            <a:ext cx="3932237" cy="1600200"/>
+            <a:off x="446356" y="456036"/>
+            <a:ext cx="2090025" cy="1596126"/>
           </a:xfrm>
         </p:spPr>
         <p:txBody>
           <a:bodyPr anchor="b"/>
           <a:lstStyle>
             <a:lvl1pPr>
-              <a:defRPr sz="3200"/>
+              <a:defRPr sz="2268"/>
             </a:lvl1pPr>
           </a:lstStyle>
           <a:p>
@@ -2524,21 +2205,15 @@
               <a:rPr lang="de-DE"/>
               <a:t>Mastertitelformat bearbeiten</a:t>
             </a:r>
-            <a:endParaRPr lang="en-US"/>
-          </a:p>
-        </p:txBody>
-      </p:sp>
-      <p:sp>
-        <p:nvSpPr>
-          <p:cNvPr id="3" name="Bildplatzhalter 2">
-            <a:extLst>
-              <a:ext uri="{FF2B5EF4-FFF2-40B4-BE49-F238E27FC236}">
-                <a16:creationId xmlns:a16="http://schemas.microsoft.com/office/drawing/2014/main" id="{1FD7956A-BAEC-AE3B-DDEB-94580E1B52FE}"/>
-              </a:ext>
-            </a:extLst>
-          </p:cNvPr>
-          <p:cNvSpPr>
-            <a:spLocks noGrp="1"/>
+            <a:endParaRPr lang="en-US" dirty="0"/>
+          </a:p>
+        </p:txBody>
+      </p:sp>
+      <p:sp>
+        <p:nvSpPr>
+          <p:cNvPr id="3" name="Picture Placeholder 2"/>
+          <p:cNvSpPr>
+            <a:spLocks noGrp="1" noChangeAspect="1"/>
           </p:cNvSpPr>
           <p:nvPr>
             <p:ph type="pic" idx="1"/>
@@ -2546,64 +2221,62 @@
         </p:nvSpPr>
         <p:spPr>
           <a:xfrm>
-            <a:off x="5183188" y="987425"/>
-            <a:ext cx="6172200" cy="4873625"/>
+            <a:off x="2754918" y="984912"/>
+            <a:ext cx="3280589" cy="4861216"/>
           </a:xfrm>
         </p:spPr>
         <p:txBody>
-          <a:bodyPr/>
+          <a:bodyPr anchor="t"/>
           <a:lstStyle>
             <a:lvl1pPr marL="0" indent="0">
               <a:buNone/>
-              <a:defRPr sz="3200"/>
+              <a:defRPr sz="2268"/>
             </a:lvl1pPr>
-            <a:lvl2pPr marL="457200" indent="0">
-              <a:buNone/>
-              <a:defRPr sz="2800"/>
+            <a:lvl2pPr marL="324018" indent="0">
+              <a:buNone/>
+              <a:defRPr sz="1984"/>
             </a:lvl2pPr>
-            <a:lvl3pPr marL="914400" indent="0">
-              <a:buNone/>
-              <a:defRPr sz="2400"/>
+            <a:lvl3pPr marL="648035" indent="0">
+              <a:buNone/>
+              <a:defRPr sz="1701"/>
             </a:lvl3pPr>
-            <a:lvl4pPr marL="1371600" indent="0">
-              <a:buNone/>
-              <a:defRPr sz="2000"/>
+            <a:lvl4pPr marL="972053" indent="0">
+              <a:buNone/>
+              <a:defRPr sz="1417"/>
             </a:lvl4pPr>
-            <a:lvl5pPr marL="1828800" indent="0">
-              <a:buNone/>
-              <a:defRPr sz="2000"/>
+            <a:lvl5pPr marL="1296071" indent="0">
+              <a:buNone/>
+              <a:defRPr sz="1417"/>
             </a:lvl5pPr>
-            <a:lvl6pPr marL="2286000" indent="0">
-              <a:buNone/>
-              <a:defRPr sz="2000"/>
+            <a:lvl6pPr marL="1620088" indent="0">
+              <a:buNone/>
+              <a:defRPr sz="1417"/>
             </a:lvl6pPr>
-            <a:lvl7pPr marL="2743200" indent="0">
-              <a:buNone/>
-              <a:defRPr sz="2000"/>
+            <a:lvl7pPr marL="1944106" indent="0">
+              <a:buNone/>
+              <a:defRPr sz="1417"/>
             </a:lvl7pPr>
-            <a:lvl8pPr marL="3200400" indent="0">
-              <a:buNone/>
-              <a:defRPr sz="2000"/>
+            <a:lvl8pPr marL="2268123" indent="0">
+              <a:buNone/>
+              <a:defRPr sz="1417"/>
             </a:lvl8pPr>
-            <a:lvl9pPr marL="3657600" indent="0">
-              <a:buNone/>
-              <a:defRPr sz="2000"/>
+            <a:lvl9pPr marL="2592141" indent="0">
+              <a:buNone/>
+              <a:defRPr sz="1417"/>
             </a:lvl9pPr>
           </a:lstStyle>
           <a:p>
-            <a:endParaRPr lang="en-US"/>
-          </a:p>
-        </p:txBody>
-      </p:sp>
-      <p:sp>
-        <p:nvSpPr>
-          <p:cNvPr id="4" name="Textplatzhalter 3">
-            <a:extLst>
-              <a:ext uri="{FF2B5EF4-FFF2-40B4-BE49-F238E27FC236}">
-                <a16:creationId xmlns:a16="http://schemas.microsoft.com/office/drawing/2014/main" id="{54A9A3D0-0056-6D61-DB64-75EE509F8292}"/>
-              </a:ext>
-            </a:extLst>
-          </p:cNvPr>
+            <a:r>
+              <a:rPr lang="de-DE"/>
+              <a:t>Bild durch Klicken auf Symbol hinzufügen</a:t>
+            </a:r>
+            <a:endParaRPr lang="en-US" dirty="0"/>
+          </a:p>
+        </p:txBody>
+      </p:sp>
+      <p:sp>
+        <p:nvSpPr>
+          <p:cNvPr id="4" name="Text Placeholder 3"/>
           <p:cNvSpPr>
             <a:spLocks noGrp="1"/>
           </p:cNvSpPr>
@@ -2613,8 +2286,8 @@
         </p:nvSpPr>
         <p:spPr>
           <a:xfrm>
-            <a:off x="839788" y="2057400"/>
-            <a:ext cx="3932237" cy="3811588"/>
+            <a:off x="446356" y="2052161"/>
+            <a:ext cx="2090025" cy="3801883"/>
           </a:xfrm>
         </p:spPr>
         <p:txBody>
@@ -2622,39 +2295,39 @@
           <a:lstStyle>
             <a:lvl1pPr marL="0" indent="0">
               <a:buNone/>
-              <a:defRPr sz="1600"/>
+              <a:defRPr sz="1134"/>
             </a:lvl1pPr>
-            <a:lvl2pPr marL="457200" indent="0">
-              <a:buNone/>
-              <a:defRPr sz="1400"/>
+            <a:lvl2pPr marL="324018" indent="0">
+              <a:buNone/>
+              <a:defRPr sz="992"/>
             </a:lvl2pPr>
-            <a:lvl3pPr marL="914400" indent="0">
-              <a:buNone/>
-              <a:defRPr sz="1200"/>
+            <a:lvl3pPr marL="648035" indent="0">
+              <a:buNone/>
+              <a:defRPr sz="850"/>
             </a:lvl3pPr>
-            <a:lvl4pPr marL="1371600" indent="0">
-              <a:buNone/>
-              <a:defRPr sz="1000"/>
+            <a:lvl4pPr marL="972053" indent="0">
+              <a:buNone/>
+              <a:defRPr sz="709"/>
             </a:lvl4pPr>
-            <a:lvl5pPr marL="1828800" indent="0">
-              <a:buNone/>
-              <a:defRPr sz="1000"/>
+            <a:lvl5pPr marL="1296071" indent="0">
+              <a:buNone/>
+              <a:defRPr sz="709"/>
             </a:lvl5pPr>
-            <a:lvl6pPr marL="2286000" indent="0">
-              <a:buNone/>
-              <a:defRPr sz="1000"/>
+            <a:lvl6pPr marL="1620088" indent="0">
+              <a:buNone/>
+              <a:defRPr sz="709"/>
             </a:lvl6pPr>
-            <a:lvl7pPr marL="2743200" indent="0">
-              <a:buNone/>
-              <a:defRPr sz="1000"/>
+            <a:lvl7pPr marL="1944106" indent="0">
+              <a:buNone/>
+              <a:defRPr sz="709"/>
             </a:lvl7pPr>
-            <a:lvl8pPr marL="3200400" indent="0">
-              <a:buNone/>
-              <a:defRPr sz="1000"/>
+            <a:lvl8pPr marL="2268123" indent="0">
+              <a:buNone/>
+              <a:defRPr sz="709"/>
             </a:lvl8pPr>
-            <a:lvl9pPr marL="3657600" indent="0">
-              <a:buNone/>
-              <a:defRPr sz="1000"/>
+            <a:lvl9pPr marL="2592141" indent="0">
+              <a:buNone/>
+              <a:defRPr sz="709"/>
             </a:lvl9pPr>
           </a:lstStyle>
           <a:p>
@@ -2668,13 +2341,7 @@
       </p:sp>
       <p:sp>
         <p:nvSpPr>
-          <p:cNvPr id="5" name="Datumsplatzhalter 4">
-            <a:extLst>
-              <a:ext uri="{FF2B5EF4-FFF2-40B4-BE49-F238E27FC236}">
-                <a16:creationId xmlns:a16="http://schemas.microsoft.com/office/drawing/2014/main" id="{04121207-0229-5D5E-5DFA-7D27A106B8CA}"/>
-              </a:ext>
-            </a:extLst>
-          </p:cNvPr>
+          <p:cNvPr id="5" name="Date Placeholder 4"/>
           <p:cNvSpPr>
             <a:spLocks noGrp="1"/>
           </p:cNvSpPr>
@@ -2689,7 +2356,7 @@
           <a:p>
             <a:fld id="{57A1D847-D3BE-4003-B33D-C7AEB0CC39FF}" type="datetimeFigureOut">
               <a:rPr lang="en-US" smtClean="0"/>
-              <a:t>6/26/2023</a:t>
+              <a:t>6/28/2023</a:t>
             </a:fld>
             <a:endParaRPr lang="en-US"/>
           </a:p>
@@ -2697,13 +2364,7 @@
       </p:sp>
       <p:sp>
         <p:nvSpPr>
-          <p:cNvPr id="6" name="Fußzeilenplatzhalter 5">
-            <a:extLst>
-              <a:ext uri="{FF2B5EF4-FFF2-40B4-BE49-F238E27FC236}">
-                <a16:creationId xmlns:a16="http://schemas.microsoft.com/office/drawing/2014/main" id="{0D697CBD-74F3-F1D1-B5D4-B8881186C6C1}"/>
-              </a:ext>
-            </a:extLst>
-          </p:cNvPr>
+          <p:cNvPr id="6" name="Footer Placeholder 5"/>
           <p:cNvSpPr>
             <a:spLocks noGrp="1"/>
           </p:cNvSpPr>
@@ -2722,13 +2383,7 @@
       </p:sp>
       <p:sp>
         <p:nvSpPr>
-          <p:cNvPr id="7" name="Foliennummernplatzhalter 6">
-            <a:extLst>
-              <a:ext uri="{FF2B5EF4-FFF2-40B4-BE49-F238E27FC236}">
-                <a16:creationId xmlns:a16="http://schemas.microsoft.com/office/drawing/2014/main" id="{A1766C12-B6E3-4A8A-E9BE-538F19CCFCAB}"/>
-              </a:ext>
-            </a:extLst>
-          </p:cNvPr>
+          <p:cNvPr id="7" name="Slide Number Placeholder 6"/>
           <p:cNvSpPr>
             <a:spLocks noGrp="1"/>
           </p:cNvSpPr>
@@ -2752,7 +2407,7 @@
     </p:spTree>
     <p:extLst>
       <p:ext uri="{BB962C8B-B14F-4D97-AF65-F5344CB8AC3E}">
-        <p14:creationId xmlns:p14="http://schemas.microsoft.com/office/powerpoint/2010/main" val="1799372749"/>
+        <p14:creationId xmlns:p14="http://schemas.microsoft.com/office/powerpoint/2010/main" val="1313368210"/>
       </p:ext>
     </p:extLst>
   </p:cSld>
@@ -2786,13 +2441,7 @@
       </p:grpSpPr>
       <p:sp>
         <p:nvSpPr>
-          <p:cNvPr id="2" name="Titelplatzhalter 1">
-            <a:extLst>
-              <a:ext uri="{FF2B5EF4-FFF2-40B4-BE49-F238E27FC236}">
-                <a16:creationId xmlns:a16="http://schemas.microsoft.com/office/drawing/2014/main" id="{A964CB58-A1EC-5989-7BF8-EBD5836A2F45}"/>
-              </a:ext>
-            </a:extLst>
-          </p:cNvPr>
+          <p:cNvPr id="2" name="Title Placeholder 1"/>
           <p:cNvSpPr>
             <a:spLocks noGrp="1"/>
           </p:cNvSpPr>
@@ -2802,8 +2451,8 @@
         </p:nvSpPr>
         <p:spPr>
           <a:xfrm>
-            <a:off x="838200" y="365125"/>
-            <a:ext cx="10515600" cy="1325563"/>
+            <a:off x="445512" y="364197"/>
+            <a:ext cx="5589151" cy="1322188"/>
           </a:xfrm>
           <a:prstGeom prst="rect">
             <a:avLst/>
@@ -2819,19 +2468,13 @@
               <a:rPr lang="de-DE"/>
               <a:t>Mastertitelformat bearbeiten</a:t>
             </a:r>
-            <a:endParaRPr lang="en-US"/>
-          </a:p>
-        </p:txBody>
-      </p:sp>
-      <p:sp>
-        <p:nvSpPr>
-          <p:cNvPr id="3" name="Textplatzhalter 2">
-            <a:extLst>
-              <a:ext uri="{FF2B5EF4-FFF2-40B4-BE49-F238E27FC236}">
-                <a16:creationId xmlns:a16="http://schemas.microsoft.com/office/drawing/2014/main" id="{5A2C025E-2A2D-5653-2643-60524C7D8821}"/>
-              </a:ext>
-            </a:extLst>
-          </p:cNvPr>
+            <a:endParaRPr lang="en-US" dirty="0"/>
+          </a:p>
+        </p:txBody>
+      </p:sp>
+      <p:sp>
+        <p:nvSpPr>
+          <p:cNvPr id="3" name="Text Placeholder 2"/>
           <p:cNvSpPr>
             <a:spLocks noGrp="1"/>
           </p:cNvSpPr>
@@ -2841,8 +2484,8 @@
         </p:nvSpPr>
         <p:spPr>
           <a:xfrm>
-            <a:off x="838200" y="1825625"/>
-            <a:ext cx="10515600" cy="4351338"/>
+            <a:off x="445512" y="1820976"/>
+            <a:ext cx="5589151" cy="4340259"/>
           </a:xfrm>
           <a:prstGeom prst="rect">
             <a:avLst/>
@@ -2887,19 +2530,13 @@
               <a:rPr lang="de-DE"/>
               <a:t>Fünfte Ebene</a:t>
             </a:r>
-            <a:endParaRPr lang="en-US"/>
-          </a:p>
-        </p:txBody>
-      </p:sp>
-      <p:sp>
-        <p:nvSpPr>
-          <p:cNvPr id="4" name="Datumsplatzhalter 3">
-            <a:extLst>
-              <a:ext uri="{FF2B5EF4-FFF2-40B4-BE49-F238E27FC236}">
-                <a16:creationId xmlns:a16="http://schemas.microsoft.com/office/drawing/2014/main" id="{1BF8264E-F443-7E64-D776-AE401D62B605}"/>
-              </a:ext>
-            </a:extLst>
-          </p:cNvPr>
+            <a:endParaRPr lang="en-US" dirty="0"/>
+          </a:p>
+        </p:txBody>
+      </p:sp>
+      <p:sp>
+        <p:nvSpPr>
+          <p:cNvPr id="4" name="Date Placeholder 3"/>
           <p:cNvSpPr>
             <a:spLocks noGrp="1"/>
           </p:cNvSpPr>
@@ -2909,8 +2546,8 @@
         </p:nvSpPr>
         <p:spPr>
           <a:xfrm>
-            <a:off x="838200" y="6356350"/>
-            <a:ext cx="2743200" cy="365125"/>
+            <a:off x="445512" y="6340167"/>
+            <a:ext cx="1458039" cy="364195"/>
           </a:xfrm>
           <a:prstGeom prst="rect">
             <a:avLst/>
@@ -2920,7 +2557,7 @@
           <a:bodyPr vert="horz" lIns="91440" tIns="45720" rIns="91440" bIns="45720" rtlCol="0" anchor="ctr"/>
           <a:lstStyle>
             <a:lvl1pPr algn="l">
-              <a:defRPr sz="1200">
+              <a:defRPr sz="850">
                 <a:solidFill>
                   <a:schemeClr val="tx1">
                     <a:tint val="75000"/>
@@ -2932,7 +2569,7 @@
           <a:p>
             <a:fld id="{57A1D847-D3BE-4003-B33D-C7AEB0CC39FF}" type="datetimeFigureOut">
               <a:rPr lang="en-US" smtClean="0"/>
-              <a:t>6/26/2023</a:t>
+              <a:t>6/28/2023</a:t>
             </a:fld>
             <a:endParaRPr lang="en-US"/>
           </a:p>
@@ -2940,13 +2577,7 @@
       </p:sp>
       <p:sp>
         <p:nvSpPr>
-          <p:cNvPr id="5" name="Fußzeilenplatzhalter 4">
-            <a:extLst>
-              <a:ext uri="{FF2B5EF4-FFF2-40B4-BE49-F238E27FC236}">
-                <a16:creationId xmlns:a16="http://schemas.microsoft.com/office/drawing/2014/main" id="{898CF3D5-10D0-122B-E5DF-655173D8074D}"/>
-              </a:ext>
-            </a:extLst>
-          </p:cNvPr>
+          <p:cNvPr id="5" name="Footer Placeholder 4"/>
           <p:cNvSpPr>
             <a:spLocks noGrp="1"/>
           </p:cNvSpPr>
@@ -2956,8 +2587,8 @@
         </p:nvSpPr>
         <p:spPr>
           <a:xfrm>
-            <a:off x="4038600" y="6356350"/>
-            <a:ext cx="4114800" cy="365125"/>
+            <a:off x="2146558" y="6340167"/>
+            <a:ext cx="2187059" cy="364195"/>
           </a:xfrm>
           <a:prstGeom prst="rect">
             <a:avLst/>
@@ -2967,7 +2598,7 @@
           <a:bodyPr vert="horz" lIns="91440" tIns="45720" rIns="91440" bIns="45720" rtlCol="0" anchor="ctr"/>
           <a:lstStyle>
             <a:lvl1pPr algn="ctr">
-              <a:defRPr sz="1200">
+              <a:defRPr sz="850">
                 <a:solidFill>
                   <a:schemeClr val="tx1">
                     <a:tint val="75000"/>
@@ -2983,13 +2614,7 @@
       </p:sp>
       <p:sp>
         <p:nvSpPr>
-          <p:cNvPr id="6" name="Foliennummernplatzhalter 5">
-            <a:extLst>
-              <a:ext uri="{FF2B5EF4-FFF2-40B4-BE49-F238E27FC236}">
-                <a16:creationId xmlns:a16="http://schemas.microsoft.com/office/drawing/2014/main" id="{9E1712D4-1DB3-C981-DC5C-B3338DF2B350}"/>
-              </a:ext>
-            </a:extLst>
-          </p:cNvPr>
+          <p:cNvPr id="6" name="Slide Number Placeholder 5"/>
           <p:cNvSpPr>
             <a:spLocks noGrp="1"/>
           </p:cNvSpPr>
@@ -2999,8 +2624,8 @@
         </p:nvSpPr>
         <p:spPr>
           <a:xfrm>
-            <a:off x="8610600" y="6356350"/>
-            <a:ext cx="2743200" cy="365125"/>
+            <a:off x="4576624" y="6340167"/>
+            <a:ext cx="1458039" cy="364195"/>
           </a:xfrm>
           <a:prstGeom prst="rect">
             <a:avLst/>
@@ -3010,7 +2635,7 @@
           <a:bodyPr vert="horz" lIns="91440" tIns="45720" rIns="91440" bIns="45720" rtlCol="0" anchor="ctr"/>
           <a:lstStyle>
             <a:lvl1pPr algn="r">
-              <a:defRPr sz="1200">
+              <a:defRPr sz="850">
                 <a:solidFill>
                   <a:schemeClr val="tx1">
                     <a:tint val="75000"/>
@@ -3031,27 +2656,27 @@
     </p:spTree>
     <p:extLst>
       <p:ext uri="{BB962C8B-B14F-4D97-AF65-F5344CB8AC3E}">
-        <p14:creationId xmlns:p14="http://schemas.microsoft.com/office/powerpoint/2010/main" val="1830404022"/>
+        <p14:creationId xmlns:p14="http://schemas.microsoft.com/office/powerpoint/2010/main" val="1391621053"/>
       </p:ext>
     </p:extLst>
   </p:cSld>
   <p:clrMap bg1="lt1" tx1="dk1" bg2="lt2" tx2="dk2" accent1="accent1" accent2="accent2" accent3="accent3" accent4="accent4" accent5="accent5" accent6="accent6" hlink="hlink" folHlink="folHlink"/>
   <p:sldLayoutIdLst>
-    <p:sldLayoutId id="2147483649" r:id="rId1"/>
-    <p:sldLayoutId id="2147483650" r:id="rId2"/>
-    <p:sldLayoutId id="2147483651" r:id="rId3"/>
-    <p:sldLayoutId id="2147483652" r:id="rId4"/>
-    <p:sldLayoutId id="2147483653" r:id="rId5"/>
-    <p:sldLayoutId id="2147483654" r:id="rId6"/>
-    <p:sldLayoutId id="2147483655" r:id="rId7"/>
-    <p:sldLayoutId id="2147483656" r:id="rId8"/>
-    <p:sldLayoutId id="2147483657" r:id="rId9"/>
-    <p:sldLayoutId id="2147483658" r:id="rId10"/>
-    <p:sldLayoutId id="2147483659" r:id="rId11"/>
+    <p:sldLayoutId id="2147483661" r:id="rId1"/>
+    <p:sldLayoutId id="2147483662" r:id="rId2"/>
+    <p:sldLayoutId id="2147483663" r:id="rId3"/>
+    <p:sldLayoutId id="2147483664" r:id="rId4"/>
+    <p:sldLayoutId id="2147483665" r:id="rId5"/>
+    <p:sldLayoutId id="2147483666" r:id="rId6"/>
+    <p:sldLayoutId id="2147483667" r:id="rId7"/>
+    <p:sldLayoutId id="2147483668" r:id="rId8"/>
+    <p:sldLayoutId id="2147483669" r:id="rId9"/>
+    <p:sldLayoutId id="2147483670" r:id="rId10"/>
+    <p:sldLayoutId id="2147483671" r:id="rId11"/>
   </p:sldLayoutIdLst>
   <p:txStyles>
     <p:titleStyle>
-      <a:lvl1pPr algn="l" defTabSz="914400" rtl="0" eaLnBrk="1" latinLnBrk="0" hangingPunct="1">
+      <a:lvl1pPr algn="l" defTabSz="648035" rtl="0" eaLnBrk="1" latinLnBrk="0" hangingPunct="1">
         <a:lnSpc>
           <a:spcPct val="90000"/>
         </a:lnSpc>
@@ -3059,7 +2684,7 @@
           <a:spcPct val="0"/>
         </a:spcBef>
         <a:buNone/>
-        <a:defRPr sz="4400" kern="1200">
+        <a:defRPr sz="3118" kern="1200">
           <a:solidFill>
             <a:schemeClr val="tx1"/>
           </a:solidFill>
@@ -3070,16 +2695,16 @@
       </a:lvl1pPr>
     </p:titleStyle>
     <p:bodyStyle>
-      <a:lvl1pPr marL="228600" indent="-228600" algn="l" defTabSz="914400" rtl="0" eaLnBrk="1" latinLnBrk="0" hangingPunct="1">
+      <a:lvl1pPr marL="162009" indent="-162009" algn="l" defTabSz="648035" rtl="0" eaLnBrk="1" latinLnBrk="0" hangingPunct="1">
         <a:lnSpc>
           <a:spcPct val="90000"/>
         </a:lnSpc>
         <a:spcBef>
-          <a:spcPts val="1000"/>
+          <a:spcPts val="709"/>
         </a:spcBef>
         <a:buFont typeface="Arial" panose="020B0604020202020204" pitchFamily="34" charset="0"/>
         <a:buChar char="•"/>
-        <a:defRPr sz="2800" kern="1200">
+        <a:defRPr sz="1984" kern="1200">
           <a:solidFill>
             <a:schemeClr val="tx1"/>
           </a:solidFill>
@@ -3088,16 +2713,16 @@
           <a:cs typeface="+mn-cs"/>
         </a:defRPr>
       </a:lvl1pPr>
-      <a:lvl2pPr marL="685800" indent="-228600" algn="l" defTabSz="914400" rtl="0" eaLnBrk="1" latinLnBrk="0" hangingPunct="1">
+      <a:lvl2pPr marL="486026" indent="-162009" algn="l" defTabSz="648035" rtl="0" eaLnBrk="1" latinLnBrk="0" hangingPunct="1">
         <a:lnSpc>
           <a:spcPct val="90000"/>
         </a:lnSpc>
         <a:spcBef>
-          <a:spcPts val="500"/>
+          <a:spcPts val="354"/>
         </a:spcBef>
         <a:buFont typeface="Arial" panose="020B0604020202020204" pitchFamily="34" charset="0"/>
         <a:buChar char="•"/>
-        <a:defRPr sz="2400" kern="1200">
+        <a:defRPr sz="1701" kern="1200">
           <a:solidFill>
             <a:schemeClr val="tx1"/>
           </a:solidFill>
@@ -3106,16 +2731,16 @@
           <a:cs typeface="+mn-cs"/>
         </a:defRPr>
       </a:lvl2pPr>
-      <a:lvl3pPr marL="1143000" indent="-228600" algn="l" defTabSz="914400" rtl="0" eaLnBrk="1" latinLnBrk="0" hangingPunct="1">
+      <a:lvl3pPr marL="810044" indent="-162009" algn="l" defTabSz="648035" rtl="0" eaLnBrk="1" latinLnBrk="0" hangingPunct="1">
         <a:lnSpc>
           <a:spcPct val="90000"/>
         </a:lnSpc>
         <a:spcBef>
-          <a:spcPts val="500"/>
+          <a:spcPts val="354"/>
         </a:spcBef>
         <a:buFont typeface="Arial" panose="020B0604020202020204" pitchFamily="34" charset="0"/>
         <a:buChar char="•"/>
-        <a:defRPr sz="2000" kern="1200">
+        <a:defRPr sz="1417" kern="1200">
           <a:solidFill>
             <a:schemeClr val="tx1"/>
           </a:solidFill>
@@ -3124,16 +2749,16 @@
           <a:cs typeface="+mn-cs"/>
         </a:defRPr>
       </a:lvl3pPr>
-      <a:lvl4pPr marL="1600200" indent="-228600" algn="l" defTabSz="914400" rtl="0" eaLnBrk="1" latinLnBrk="0" hangingPunct="1">
+      <a:lvl4pPr marL="1134062" indent="-162009" algn="l" defTabSz="648035" rtl="0" eaLnBrk="1" latinLnBrk="0" hangingPunct="1">
         <a:lnSpc>
           <a:spcPct val="90000"/>
         </a:lnSpc>
         <a:spcBef>
-          <a:spcPts val="500"/>
+          <a:spcPts val="354"/>
         </a:spcBef>
         <a:buFont typeface="Arial" panose="020B0604020202020204" pitchFamily="34" charset="0"/>
         <a:buChar char="•"/>
-        <a:defRPr sz="1800" kern="1200">
+        <a:defRPr sz="1276" kern="1200">
           <a:solidFill>
             <a:schemeClr val="tx1"/>
           </a:solidFill>
@@ -3142,16 +2767,16 @@
           <a:cs typeface="+mn-cs"/>
         </a:defRPr>
       </a:lvl4pPr>
-      <a:lvl5pPr marL="2057400" indent="-228600" algn="l" defTabSz="914400" rtl="0" eaLnBrk="1" latinLnBrk="0" hangingPunct="1">
+      <a:lvl5pPr marL="1458079" indent="-162009" algn="l" defTabSz="648035" rtl="0" eaLnBrk="1" latinLnBrk="0" hangingPunct="1">
         <a:lnSpc>
           <a:spcPct val="90000"/>
         </a:lnSpc>
         <a:spcBef>
-          <a:spcPts val="500"/>
+          <a:spcPts val="354"/>
         </a:spcBef>
         <a:buFont typeface="Arial" panose="020B0604020202020204" pitchFamily="34" charset="0"/>
         <a:buChar char="•"/>
-        <a:defRPr sz="1800" kern="1200">
+        <a:defRPr sz="1276" kern="1200">
           <a:solidFill>
             <a:schemeClr val="tx1"/>
           </a:solidFill>
@@ -3160,16 +2785,16 @@
           <a:cs typeface="+mn-cs"/>
         </a:defRPr>
       </a:lvl5pPr>
-      <a:lvl6pPr marL="2514600" indent="-228600" algn="l" defTabSz="914400" rtl="0" eaLnBrk="1" latinLnBrk="0" hangingPunct="1">
+      <a:lvl6pPr marL="1782097" indent="-162009" algn="l" defTabSz="648035" rtl="0" eaLnBrk="1" latinLnBrk="0" hangingPunct="1">
         <a:lnSpc>
           <a:spcPct val="90000"/>
         </a:lnSpc>
         <a:spcBef>
-          <a:spcPts val="500"/>
+          <a:spcPts val="354"/>
         </a:spcBef>
         <a:buFont typeface="Arial" panose="020B0604020202020204" pitchFamily="34" charset="0"/>
         <a:buChar char="•"/>
-        <a:defRPr sz="1800" kern="1200">
+        <a:defRPr sz="1276" kern="1200">
           <a:solidFill>
             <a:schemeClr val="tx1"/>
           </a:solidFill>
@@ -3178,16 +2803,16 @@
           <a:cs typeface="+mn-cs"/>
         </a:defRPr>
       </a:lvl6pPr>
-      <a:lvl7pPr marL="2971800" indent="-228600" algn="l" defTabSz="914400" rtl="0" eaLnBrk="1" latinLnBrk="0" hangingPunct="1">
+      <a:lvl7pPr marL="2106115" indent="-162009" algn="l" defTabSz="648035" rtl="0" eaLnBrk="1" latinLnBrk="0" hangingPunct="1">
         <a:lnSpc>
           <a:spcPct val="90000"/>
         </a:lnSpc>
         <a:spcBef>
-          <a:spcPts val="500"/>
+          <a:spcPts val="354"/>
         </a:spcBef>
         <a:buFont typeface="Arial" panose="020B0604020202020204" pitchFamily="34" charset="0"/>
         <a:buChar char="•"/>
-        <a:defRPr sz="1800" kern="1200">
+        <a:defRPr sz="1276" kern="1200">
           <a:solidFill>
             <a:schemeClr val="tx1"/>
           </a:solidFill>
@@ -3196,16 +2821,16 @@
           <a:cs typeface="+mn-cs"/>
         </a:defRPr>
       </a:lvl7pPr>
-      <a:lvl8pPr marL="3429000" indent="-228600" algn="l" defTabSz="914400" rtl="0" eaLnBrk="1" latinLnBrk="0" hangingPunct="1">
+      <a:lvl8pPr marL="2430132" indent="-162009" algn="l" defTabSz="648035" rtl="0" eaLnBrk="1" latinLnBrk="0" hangingPunct="1">
         <a:lnSpc>
           <a:spcPct val="90000"/>
         </a:lnSpc>
         <a:spcBef>
-          <a:spcPts val="500"/>
+          <a:spcPts val="354"/>
         </a:spcBef>
         <a:buFont typeface="Arial" panose="020B0604020202020204" pitchFamily="34" charset="0"/>
         <a:buChar char="•"/>
-        <a:defRPr sz="1800" kern="1200">
+        <a:defRPr sz="1276" kern="1200">
           <a:solidFill>
             <a:schemeClr val="tx1"/>
           </a:solidFill>
@@ -3214,16 +2839,16 @@
           <a:cs typeface="+mn-cs"/>
         </a:defRPr>
       </a:lvl8pPr>
-      <a:lvl9pPr marL="3886200" indent="-228600" algn="l" defTabSz="914400" rtl="0" eaLnBrk="1" latinLnBrk="0" hangingPunct="1">
+      <a:lvl9pPr marL="2754150" indent="-162009" algn="l" defTabSz="648035" rtl="0" eaLnBrk="1" latinLnBrk="0" hangingPunct="1">
         <a:lnSpc>
           <a:spcPct val="90000"/>
         </a:lnSpc>
         <a:spcBef>
-          <a:spcPts val="500"/>
+          <a:spcPts val="354"/>
         </a:spcBef>
         <a:buFont typeface="Arial" panose="020B0604020202020204" pitchFamily="34" charset="0"/>
         <a:buChar char="•"/>
-        <a:defRPr sz="1800" kern="1200">
+        <a:defRPr sz="1276" kern="1200">
           <a:solidFill>
             <a:schemeClr val="tx1"/>
           </a:solidFill>
@@ -3237,8 +2862,8 @@
       <a:defPPr>
         <a:defRPr lang="en-US"/>
       </a:defPPr>
-      <a:lvl1pPr marL="0" algn="l" defTabSz="914400" rtl="0" eaLnBrk="1" latinLnBrk="0" hangingPunct="1">
-        <a:defRPr sz="1800" kern="1200">
+      <a:lvl1pPr marL="0" algn="l" defTabSz="648035" rtl="0" eaLnBrk="1" latinLnBrk="0" hangingPunct="1">
+        <a:defRPr sz="1276" kern="1200">
           <a:solidFill>
             <a:schemeClr val="tx1"/>
           </a:solidFill>
@@ -3247,8 +2872,8 @@
           <a:cs typeface="+mn-cs"/>
         </a:defRPr>
       </a:lvl1pPr>
-      <a:lvl2pPr marL="457200" algn="l" defTabSz="914400" rtl="0" eaLnBrk="1" latinLnBrk="0" hangingPunct="1">
-        <a:defRPr sz="1800" kern="1200">
+      <a:lvl2pPr marL="324018" algn="l" defTabSz="648035" rtl="0" eaLnBrk="1" latinLnBrk="0" hangingPunct="1">
+        <a:defRPr sz="1276" kern="1200">
           <a:solidFill>
             <a:schemeClr val="tx1"/>
           </a:solidFill>
@@ -3257,8 +2882,8 @@
           <a:cs typeface="+mn-cs"/>
         </a:defRPr>
       </a:lvl2pPr>
-      <a:lvl3pPr marL="914400" algn="l" defTabSz="914400" rtl="0" eaLnBrk="1" latinLnBrk="0" hangingPunct="1">
-        <a:defRPr sz="1800" kern="1200">
+      <a:lvl3pPr marL="648035" algn="l" defTabSz="648035" rtl="0" eaLnBrk="1" latinLnBrk="0" hangingPunct="1">
+        <a:defRPr sz="1276" kern="1200">
           <a:solidFill>
             <a:schemeClr val="tx1"/>
           </a:solidFill>
@@ -3267,8 +2892,8 @@
           <a:cs typeface="+mn-cs"/>
         </a:defRPr>
       </a:lvl3pPr>
-      <a:lvl4pPr marL="1371600" algn="l" defTabSz="914400" rtl="0" eaLnBrk="1" latinLnBrk="0" hangingPunct="1">
-        <a:defRPr sz="1800" kern="1200">
+      <a:lvl4pPr marL="972053" algn="l" defTabSz="648035" rtl="0" eaLnBrk="1" latinLnBrk="0" hangingPunct="1">
+        <a:defRPr sz="1276" kern="1200">
           <a:solidFill>
             <a:schemeClr val="tx1"/>
           </a:solidFill>
@@ -3277,8 +2902,8 @@
           <a:cs typeface="+mn-cs"/>
         </a:defRPr>
       </a:lvl4pPr>
-      <a:lvl5pPr marL="1828800" algn="l" defTabSz="914400" rtl="0" eaLnBrk="1" latinLnBrk="0" hangingPunct="1">
-        <a:defRPr sz="1800" kern="1200">
+      <a:lvl5pPr marL="1296071" algn="l" defTabSz="648035" rtl="0" eaLnBrk="1" latinLnBrk="0" hangingPunct="1">
+        <a:defRPr sz="1276" kern="1200">
           <a:solidFill>
             <a:schemeClr val="tx1"/>
           </a:solidFill>
@@ -3287,8 +2912,8 @@
           <a:cs typeface="+mn-cs"/>
         </a:defRPr>
       </a:lvl5pPr>
-      <a:lvl6pPr marL="2286000" algn="l" defTabSz="914400" rtl="0" eaLnBrk="1" latinLnBrk="0" hangingPunct="1">
-        <a:defRPr sz="1800" kern="1200">
+      <a:lvl6pPr marL="1620088" algn="l" defTabSz="648035" rtl="0" eaLnBrk="1" latinLnBrk="0" hangingPunct="1">
+        <a:defRPr sz="1276" kern="1200">
           <a:solidFill>
             <a:schemeClr val="tx1"/>
           </a:solidFill>
@@ -3297,8 +2922,8 @@
           <a:cs typeface="+mn-cs"/>
         </a:defRPr>
       </a:lvl6pPr>
-      <a:lvl7pPr marL="2743200" algn="l" defTabSz="914400" rtl="0" eaLnBrk="1" latinLnBrk="0" hangingPunct="1">
-        <a:defRPr sz="1800" kern="1200">
+      <a:lvl7pPr marL="1944106" algn="l" defTabSz="648035" rtl="0" eaLnBrk="1" latinLnBrk="0" hangingPunct="1">
+        <a:defRPr sz="1276" kern="1200">
           <a:solidFill>
             <a:schemeClr val="tx1"/>
           </a:solidFill>
@@ -3307,8 +2932,8 @@
           <a:cs typeface="+mn-cs"/>
         </a:defRPr>
       </a:lvl7pPr>
-      <a:lvl8pPr marL="3200400" algn="l" defTabSz="914400" rtl="0" eaLnBrk="1" latinLnBrk="0" hangingPunct="1">
-        <a:defRPr sz="1800" kern="1200">
+      <a:lvl8pPr marL="2268123" algn="l" defTabSz="648035" rtl="0" eaLnBrk="1" latinLnBrk="0" hangingPunct="1">
+        <a:defRPr sz="1276" kern="1200">
           <a:solidFill>
             <a:schemeClr val="tx1"/>
           </a:solidFill>
@@ -3317,8 +2942,8 @@
           <a:cs typeface="+mn-cs"/>
         </a:defRPr>
       </a:lvl8pPr>
-      <a:lvl9pPr marL="3657600" algn="l" defTabSz="914400" rtl="0" eaLnBrk="1" latinLnBrk="0" hangingPunct="1">
-        <a:defRPr sz="1800" kern="1200">
+      <a:lvl9pPr marL="2592141" algn="l" defTabSz="648035" rtl="0" eaLnBrk="1" latinLnBrk="0" hangingPunct="1">
+        <a:defRPr sz="1276" kern="1200">
           <a:solidFill>
             <a:schemeClr val="tx1"/>
           </a:solidFill>
@@ -3335,6 +2960,14 @@
 <file path=ppt/slides/slide1.xml><?xml version="1.0" encoding="utf-8"?>
 <p:sld xmlns:a="http://schemas.openxmlformats.org/drawingml/2006/main" xmlns:r="http://schemas.openxmlformats.org/officeDocument/2006/relationships" xmlns:p="http://schemas.openxmlformats.org/presentationml/2006/main">
   <p:cSld>
+    <p:bg>
+      <p:bgPr>
+        <a:solidFill>
+          <a:srgbClr val="808080"/>
+        </a:solidFill>
+        <a:effectLst/>
+      </p:bgPr>
+    </p:bg>
     <p:spTree>
       <p:nvGrpSpPr>
         <p:cNvPr id="1" name=""/>
@@ -3351,10 +2984,10 @@
       </p:grpSpPr>
       <p:pic>
         <p:nvPicPr>
-          <p:cNvPr id="5" name="Grafik 4" descr="Ein Bild, das Person, Wand, Im Haus, posieren enthält.&#10;&#10;Automatisch generierte Beschreibung">
+          <p:cNvPr id="5" name="Grafik 4" descr="Ein Bild, das Menschliches Gesicht, Person, Porträt, Augenbraue enthält.&#10;&#10;Automatisch generierte Beschreibung">
             <a:extLst>
               <a:ext uri="{FF2B5EF4-FFF2-40B4-BE49-F238E27FC236}">
-                <a16:creationId xmlns:a16="http://schemas.microsoft.com/office/drawing/2014/main" id="{EA852F1B-4164-CCFB-3AB7-E8E05D1F77DE}"/>
+                <a16:creationId xmlns:a16="http://schemas.microsoft.com/office/drawing/2014/main" id="{F156B9A9-3F37-B7EA-4BD8-D05CB01418C4}"/>
               </a:ext>
             </a:extLst>
           </p:cNvPr>
@@ -3377,264 +3010,18 @@
         </p:blipFill>
         <p:spPr>
           <a:xfrm>
-            <a:off x="1135276" y="819646"/>
-            <a:ext cx="1956816" cy="2060448"/>
+            <a:off x="0" y="8588"/>
+            <a:ext cx="6480175" cy="6823362"/>
           </a:xfrm>
           <a:prstGeom prst="rect">
             <a:avLst/>
           </a:prstGeom>
         </p:spPr>
       </p:pic>
-      <p:pic>
-        <p:nvPicPr>
-          <p:cNvPr id="7" name="Grafik 6" descr="Ein Bild, das Person, Im Haus, posieren, Haar enthält.&#10;&#10;Automatisch generierte Beschreibung">
-            <a:extLst>
-              <a:ext uri="{FF2B5EF4-FFF2-40B4-BE49-F238E27FC236}">
-                <a16:creationId xmlns:a16="http://schemas.microsoft.com/office/drawing/2014/main" id="{71C3B396-F083-2F1B-A293-920929EB1838}"/>
-              </a:ext>
-            </a:extLst>
-          </p:cNvPr>
-          <p:cNvPicPr>
-            <a:picLocks noChangeAspect="1"/>
-          </p:cNvPicPr>
-          <p:nvPr/>
-        </p:nvPicPr>
-        <p:blipFill>
-          <a:blip r:embed="rId3">
-            <a:extLst>
-              <a:ext uri="{28A0092B-C50C-407E-A947-70E740481C1C}">
-                <a14:useLocalDpi xmlns:a14="http://schemas.microsoft.com/office/drawing/2010/main" val="0"/>
-              </a:ext>
-            </a:extLst>
-          </a:blip>
-          <a:stretch>
-            <a:fillRect/>
-          </a:stretch>
-        </p:blipFill>
-        <p:spPr>
-          <a:xfrm>
-            <a:off x="1135276" y="3977906"/>
-            <a:ext cx="1956816" cy="2060448"/>
-          </a:xfrm>
-          <a:prstGeom prst="rect">
-            <a:avLst/>
-          </a:prstGeom>
-        </p:spPr>
-      </p:pic>
-      <p:sp>
-        <p:nvSpPr>
-          <p:cNvPr id="23" name="Ellipse 22">
-            <a:extLst>
-              <a:ext uri="{FF2B5EF4-FFF2-40B4-BE49-F238E27FC236}">
-                <a16:creationId xmlns:a16="http://schemas.microsoft.com/office/drawing/2014/main" id="{EBB6DBE3-8B87-BAD6-75F4-959C137DAB23}"/>
-              </a:ext>
-            </a:extLst>
-          </p:cNvPr>
-          <p:cNvSpPr/>
-          <p:nvPr/>
-        </p:nvSpPr>
-        <p:spPr>
-          <a:xfrm>
-            <a:off x="5153514" y="819644"/>
-            <a:ext cx="1958400" cy="2060449"/>
-          </a:xfrm>
-          <a:prstGeom prst="ellipse">
-            <a:avLst/>
-          </a:prstGeom>
-          <a:solidFill>
-            <a:srgbClr val="C1C3C2"/>
-          </a:solidFill>
-          <a:ln>
-            <a:noFill/>
-          </a:ln>
-          <a:effectLst>
-            <a:softEdge rad="63500"/>
-          </a:effectLst>
-        </p:spPr>
-        <p:style>
-          <a:lnRef idx="2">
-            <a:schemeClr val="accent1">
-              <a:shade val="50000"/>
-            </a:schemeClr>
-          </a:lnRef>
-          <a:fillRef idx="1">
-            <a:schemeClr val="accent1"/>
-          </a:fillRef>
-          <a:effectRef idx="0">
-            <a:schemeClr val="accent1"/>
-          </a:effectRef>
-          <a:fontRef idx="minor">
-            <a:schemeClr val="lt1"/>
-          </a:fontRef>
-        </p:style>
-        <p:txBody>
-          <a:bodyPr rtlCol="0" anchor="ctr"/>
-          <a:lstStyle/>
-          <a:p>
-            <a:pPr algn="ctr"/>
-            <a:endParaRPr lang="en-US"/>
-          </a:p>
-        </p:txBody>
-      </p:sp>
-      <p:sp>
-        <p:nvSpPr>
-          <p:cNvPr id="24" name="Ellipse 23">
-            <a:extLst>
-              <a:ext uri="{FF2B5EF4-FFF2-40B4-BE49-F238E27FC236}">
-                <a16:creationId xmlns:a16="http://schemas.microsoft.com/office/drawing/2014/main" id="{3F7EA2A1-6E22-D666-6D8F-E58E0143B2FA}"/>
-              </a:ext>
-            </a:extLst>
-          </p:cNvPr>
-          <p:cNvSpPr/>
-          <p:nvPr/>
-        </p:nvSpPr>
-        <p:spPr>
-          <a:xfrm>
-            <a:off x="5111256" y="3976655"/>
-            <a:ext cx="1958400" cy="2060449"/>
-          </a:xfrm>
-          <a:prstGeom prst="ellipse">
-            <a:avLst/>
-          </a:prstGeom>
-          <a:solidFill>
-            <a:srgbClr val="C1C3C2"/>
-          </a:solidFill>
-          <a:ln>
-            <a:noFill/>
-          </a:ln>
-          <a:effectLst>
-            <a:softEdge rad="63500"/>
-          </a:effectLst>
-        </p:spPr>
-        <p:style>
-          <a:lnRef idx="2">
-            <a:schemeClr val="accent1">
-              <a:shade val="50000"/>
-            </a:schemeClr>
-          </a:lnRef>
-          <a:fillRef idx="1">
-            <a:schemeClr val="accent1"/>
-          </a:fillRef>
-          <a:effectRef idx="0">
-            <a:schemeClr val="accent1"/>
-          </a:effectRef>
-          <a:fontRef idx="minor">
-            <a:schemeClr val="lt1"/>
-          </a:fontRef>
-        </p:style>
-        <p:txBody>
-          <a:bodyPr rtlCol="0" anchor="ctr"/>
-          <a:lstStyle/>
-          <a:p>
-            <a:pPr algn="ctr"/>
-            <a:endParaRPr lang="en-US"/>
-          </a:p>
-        </p:txBody>
-      </p:sp>
-      <p:pic>
-        <p:nvPicPr>
-          <p:cNvPr id="12" name="Grafik 11">
-            <a:extLst>
-              <a:ext uri="{FF2B5EF4-FFF2-40B4-BE49-F238E27FC236}">
-                <a16:creationId xmlns:a16="http://schemas.microsoft.com/office/drawing/2014/main" id="{2E51A929-BD75-452D-1BF0-78BA6BBDD86D}"/>
-              </a:ext>
-            </a:extLst>
-          </p:cNvPr>
-          <p:cNvPicPr>
-            <a:picLocks noChangeAspect="1"/>
-          </p:cNvPicPr>
-          <p:nvPr/>
-        </p:nvPicPr>
-        <p:blipFill rotWithShape="1">
-          <a:blip r:embed="rId4">
-            <a:extLst>
-              <a:ext uri="{BEBA8EAE-BF5A-486C-A8C5-ECC9F3942E4B}">
-                <a14:imgProps xmlns:a14="http://schemas.microsoft.com/office/drawing/2010/main">
-                  <a14:imgLayer r:embed="rId5">
-                    <a14:imgEffect>
-                      <a14:saturation sat="75000"/>
-                    </a14:imgEffect>
-                    <a14:imgEffect>
-                      <a14:brightnessContrast contrast="-33000"/>
-                    </a14:imgEffect>
-                  </a14:imgLayer>
-                </a14:imgProps>
-              </a:ext>
-              <a:ext uri="{28A0092B-C50C-407E-A947-70E740481C1C}">
-                <a14:useLocalDpi xmlns:a14="http://schemas.microsoft.com/office/drawing/2010/main" val="0"/>
-              </a:ext>
-            </a:extLst>
-          </a:blip>
-          <a:srcRect l="40401" t="26936" r="23399" b="13577"/>
-          <a:stretch/>
-        </p:blipFill>
-        <p:spPr>
-          <a:xfrm>
-            <a:off x="5419807" y="972319"/>
-            <a:ext cx="1425814" cy="1755098"/>
-          </a:xfrm>
-          <a:prstGeom prst="ellipse">
-            <a:avLst/>
-          </a:prstGeom>
-          <a:effectLst>
-            <a:softEdge rad="127000"/>
-          </a:effectLst>
-        </p:spPr>
-      </p:pic>
-      <p:pic>
-        <p:nvPicPr>
-          <p:cNvPr id="19" name="Grafik 18">
-            <a:extLst>
-              <a:ext uri="{FF2B5EF4-FFF2-40B4-BE49-F238E27FC236}">
-                <a16:creationId xmlns:a16="http://schemas.microsoft.com/office/drawing/2014/main" id="{22725B80-4B8E-2CF3-94B9-15C927166964}"/>
-              </a:ext>
-            </a:extLst>
-          </p:cNvPr>
-          <p:cNvPicPr>
-            <a:picLocks noChangeAspect="1"/>
-          </p:cNvPicPr>
-          <p:nvPr/>
-        </p:nvPicPr>
-        <p:blipFill rotWithShape="1">
-          <a:blip r:embed="rId6">
-            <a:extLst>
-              <a:ext uri="{BEBA8EAE-BF5A-486C-A8C5-ECC9F3942E4B}">
-                <a14:imgProps xmlns:a14="http://schemas.microsoft.com/office/drawing/2010/main">
-                  <a14:imgLayer r:embed="rId7">
-                    <a14:imgEffect>
-                      <a14:saturation sat="75000"/>
-                    </a14:imgEffect>
-                    <a14:imgEffect>
-                      <a14:brightnessContrast contrast="-33000"/>
-                    </a14:imgEffect>
-                  </a14:imgLayer>
-                </a14:imgProps>
-              </a:ext>
-              <a:ext uri="{28A0092B-C50C-407E-A947-70E740481C1C}">
-                <a14:useLocalDpi xmlns:a14="http://schemas.microsoft.com/office/drawing/2010/main" val="0"/>
-              </a:ext>
-            </a:extLst>
-          </a:blip>
-          <a:srcRect l="42667" t="28675" r="30588" b="27458"/>
-          <a:stretch/>
-        </p:blipFill>
-        <p:spPr>
-          <a:xfrm>
-            <a:off x="5379628" y="4130678"/>
-            <a:ext cx="1421656" cy="1748745"/>
-          </a:xfrm>
-          <a:prstGeom prst="ellipse">
-            <a:avLst/>
-          </a:prstGeom>
-          <a:effectLst>
-            <a:softEdge rad="127000"/>
-          </a:effectLst>
-        </p:spPr>
-      </p:pic>
     </p:spTree>
     <p:extLst>
       <p:ext uri="{BB962C8B-B14F-4D97-AF65-F5344CB8AC3E}">
-        <p14:creationId xmlns:p14="http://schemas.microsoft.com/office/powerpoint/2010/main" val="179813238"/>
+        <p14:creationId xmlns:p14="http://schemas.microsoft.com/office/powerpoint/2010/main" val="1219179376"/>
       </p:ext>
     </p:extLst>
   </p:cSld>
@@ -3647,6 +3034,14 @@
 <file path=ppt/slides/slide2.xml><?xml version="1.0" encoding="utf-8"?>
 <p:sld xmlns:a="http://schemas.openxmlformats.org/drawingml/2006/main" xmlns:r="http://schemas.openxmlformats.org/officeDocument/2006/relationships" xmlns:p="http://schemas.openxmlformats.org/presentationml/2006/main">
   <p:cSld>
+    <p:bg>
+      <p:bgPr>
+        <a:solidFill>
+          <a:srgbClr val="808080"/>
+        </a:solidFill>
+        <a:effectLst/>
+      </p:bgPr>
+    </p:bg>
     <p:spTree>
       <p:nvGrpSpPr>
         <p:cNvPr id="1" name=""/>
@@ -3661,6 +3056,80 @@
           <a:chExt cx="0" cy="0"/>
         </a:xfrm>
       </p:grpSpPr>
+      <p:pic>
+        <p:nvPicPr>
+          <p:cNvPr id="12" name="Grafik 11" descr="Ein Bild, das Menschliches Gesicht, Person, Porträt, Augenbraue enthält.&#10;&#10;Automatisch generierte Beschreibung">
+            <a:extLst>
+              <a:ext uri="{FF2B5EF4-FFF2-40B4-BE49-F238E27FC236}">
+                <a16:creationId xmlns:a16="http://schemas.microsoft.com/office/drawing/2014/main" id="{2F9FED41-DB12-0D96-99E6-9732E9D073D4}"/>
+              </a:ext>
+            </a:extLst>
+          </p:cNvPr>
+          <p:cNvPicPr>
+            <a:picLocks noChangeAspect="1"/>
+          </p:cNvPicPr>
+          <p:nvPr/>
+        </p:nvPicPr>
+        <p:blipFill>
+          <a:blip r:embed="rId2">
+            <a:extLst>
+              <a:ext uri="{28A0092B-C50C-407E-A947-70E740481C1C}">
+                <a14:useLocalDpi xmlns:a14="http://schemas.microsoft.com/office/drawing/2010/main" val="0"/>
+              </a:ext>
+            </a:extLst>
+          </a:blip>
+          <a:stretch>
+            <a:fillRect/>
+          </a:stretch>
+        </p:blipFill>
+        <p:spPr>
+          <a:xfrm>
+            <a:off x="0" y="8588"/>
+            <a:ext cx="6480175" cy="6823362"/>
+          </a:xfrm>
+          <a:prstGeom prst="rect">
+            <a:avLst/>
+          </a:prstGeom>
+        </p:spPr>
+      </p:pic>
+    </p:spTree>
+    <p:extLst>
+      <p:ext uri="{BB962C8B-B14F-4D97-AF65-F5344CB8AC3E}">
+        <p14:creationId xmlns:p14="http://schemas.microsoft.com/office/powerpoint/2010/main" val="4080663762"/>
+      </p:ext>
+    </p:extLst>
+  </p:cSld>
+  <p:clrMapOvr>
+    <a:masterClrMapping/>
+  </p:clrMapOvr>
+</p:sld>
+</file>
+
+<file path=ppt/slides/slide3.xml><?xml version="1.0" encoding="utf-8"?>
+<p:sld xmlns:a="http://schemas.openxmlformats.org/drawingml/2006/main" xmlns:r="http://schemas.openxmlformats.org/officeDocument/2006/relationships" xmlns:p="http://schemas.openxmlformats.org/presentationml/2006/main">
+  <p:cSld>
+    <p:bg>
+      <p:bgPr>
+        <a:solidFill>
+          <a:srgbClr val="808080"/>
+        </a:solidFill>
+        <a:effectLst/>
+      </p:bgPr>
+    </p:bg>
+    <p:spTree>
+      <p:nvGrpSpPr>
+        <p:cNvPr id="1" name=""/>
+        <p:cNvGrpSpPr/>
+        <p:nvPr/>
+      </p:nvGrpSpPr>
+      <p:grpSpPr>
+        <a:xfrm>
+          <a:off x="0" y="0"/>
+          <a:ext cx="0" cy="0"/>
+          <a:chOff x="0" y="0"/>
+          <a:chExt cx="0" cy="0"/>
+        </a:xfrm>
+      </p:grpSpPr>
       <p:sp>
         <p:nvSpPr>
           <p:cNvPr id="4" name="Ellipse 3">
@@ -3675,14 +3144,14 @@
         </p:nvSpPr>
         <p:spPr>
           <a:xfrm>
-            <a:off x="2526489" y="0"/>
-            <a:ext cx="6518340" cy="6858000"/>
+            <a:off x="0" y="0"/>
+            <a:ext cx="6480175" cy="6840537"/>
           </a:xfrm>
           <a:prstGeom prst="ellipse">
             <a:avLst/>
           </a:prstGeom>
           <a:solidFill>
-            <a:srgbClr val="C1C3C2"/>
+            <a:srgbClr val="7E7E7E"/>
           </a:solidFill>
           <a:ln>
             <a:noFill/>
@@ -3712,7 +3181,7 @@
           <a:lstStyle/>
           <a:p>
             <a:pPr algn="ctr"/>
-            <a:endParaRPr lang="en-US"/>
+            <a:endParaRPr lang="en-US" sz="669"/>
           </a:p>
         </p:txBody>
       </p:sp>
@@ -3740,7 +3209,7 @@
                       <a14:saturation sat="75000"/>
                     </a14:imgEffect>
                     <a14:imgEffect>
-                      <a14:brightnessContrast contrast="-33000"/>
+                      <a14:brightnessContrast bright="20000" contrast="-20000"/>
                     </a14:imgEffect>
                   </a14:imgLayer>
                 </a14:imgProps>
@@ -3755,8 +3224,8 @@
         </p:blipFill>
         <p:spPr>
           <a:xfrm>
-            <a:off x="3412817" y="508164"/>
-            <a:ext cx="4745680" cy="5841670"/>
+            <a:off x="1146617" y="843322"/>
+            <a:ext cx="4186939" cy="5153891"/>
           </a:xfrm>
           <a:prstGeom prst="ellipse">
             <a:avLst/>
@@ -3779,9 +3248,17 @@
 </p:sld>
 </file>
 
-<file path=ppt/slides/slide3.xml><?xml version="1.0" encoding="utf-8"?>
+<file path=ppt/slides/slide4.xml><?xml version="1.0" encoding="utf-8"?>
 <p:sld xmlns:a="http://schemas.openxmlformats.org/drawingml/2006/main" xmlns:r="http://schemas.openxmlformats.org/officeDocument/2006/relationships" xmlns:p="http://schemas.openxmlformats.org/presentationml/2006/main">
   <p:cSld>
+    <p:bg>
+      <p:bgPr>
+        <a:solidFill>
+          <a:srgbClr val="7E7E7E"/>
+        </a:solidFill>
+        <a:effectLst/>
+      </p:bgPr>
+    </p:bg>
     <p:spTree>
       <p:nvGrpSpPr>
         <p:cNvPr id="1" name=""/>
@@ -3810,14 +3287,14 @@
         </p:nvSpPr>
         <p:spPr>
           <a:xfrm>
-            <a:off x="2526489" y="0"/>
-            <a:ext cx="6518340" cy="6858000"/>
+            <a:off x="0" y="0"/>
+            <a:ext cx="6480175" cy="6840537"/>
           </a:xfrm>
           <a:prstGeom prst="ellipse">
             <a:avLst/>
           </a:prstGeom>
           <a:solidFill>
-            <a:srgbClr val="C1C3C2"/>
+            <a:srgbClr val="7E7E7E"/>
           </a:solidFill>
           <a:ln>
             <a:noFill/>
@@ -3847,7 +3324,7 @@
           <a:lstStyle/>
           <a:p>
             <a:pPr algn="ctr"/>
-            <a:endParaRPr lang="en-US"/>
+            <a:endParaRPr lang="en-US" sz="669"/>
           </a:p>
         </p:txBody>
       </p:sp>
@@ -3856,7 +3333,7 @@
           <p:cNvPr id="2" name="Grafik 1">
             <a:extLst>
               <a:ext uri="{FF2B5EF4-FFF2-40B4-BE49-F238E27FC236}">
-                <a16:creationId xmlns:a16="http://schemas.microsoft.com/office/drawing/2014/main" id="{A456E8D0-1119-57E0-E2F8-A0ED484B55F9}"/>
+                <a16:creationId xmlns:a16="http://schemas.microsoft.com/office/drawing/2014/main" id="{015FA6D9-7411-BA32-BDCF-46A9ADB66454}"/>
               </a:ext>
             </a:extLst>
           </p:cNvPr>
@@ -3872,10 +3349,10 @@
                 <a14:imgProps xmlns:a14="http://schemas.microsoft.com/office/drawing/2010/main">
                   <a14:imgLayer r:embed="rId3">
                     <a14:imgEffect>
-                      <a14:saturation sat="75000"/>
+                      <a14:colorTemperature colorTemp="6822"/>
                     </a14:imgEffect>
                     <a14:imgEffect>
-                      <a14:brightnessContrast contrast="-33000"/>
+                      <a14:brightnessContrast bright="20000"/>
                     </a14:imgEffect>
                   </a14:imgLayer>
                 </a14:imgProps>
@@ -3890,12 +3367,15 @@
         </p:blipFill>
         <p:spPr>
           <a:xfrm>
-            <a:off x="3411143" y="508165"/>
-            <a:ext cx="4749032" cy="5841670"/>
+            <a:off x="1146617" y="845142"/>
+            <a:ext cx="4186939" cy="5150252"/>
           </a:xfrm>
           <a:prstGeom prst="ellipse">
             <a:avLst/>
           </a:prstGeom>
+          <a:solidFill>
+            <a:srgbClr val="7E7E7E"/>
+          </a:solidFill>
           <a:effectLst>
             <a:softEdge rad="127000"/>
           </a:effectLst>
@@ -3904,7 +3384,7 @@
     </p:spTree>
     <p:extLst>
       <p:ext uri="{BB962C8B-B14F-4D97-AF65-F5344CB8AC3E}">
-        <p14:creationId xmlns:p14="http://schemas.microsoft.com/office/powerpoint/2010/main" val="125819043"/>
+        <p14:creationId xmlns:p14="http://schemas.microsoft.com/office/powerpoint/2010/main" val="3435402820"/>
       </p:ext>
     </p:extLst>
   </p:cSld>
@@ -3990,23 +3470,6 @@
         <a:font script="Viet" typeface="Times New Roman"/>
         <a:font script="Uigh" typeface="Microsoft Uighur"/>
         <a:font script="Geor" typeface="Sylfaen"/>
-        <a:font script="Armn" typeface="Arial"/>
-        <a:font script="Bugi" typeface="Leelawadee UI"/>
-        <a:font script="Bopo" typeface="Microsoft JhengHei"/>
-        <a:font script="Java" typeface="Javanese Text"/>
-        <a:font script="Lisu" typeface="Segoe UI"/>
-        <a:font script="Mymr" typeface="Myanmar Text"/>
-        <a:font script="Nkoo" typeface="Ebrima"/>
-        <a:font script="Olck" typeface="Nirmala UI"/>
-        <a:font script="Osma" typeface="Ebrima"/>
-        <a:font script="Phag" typeface="Phagspa"/>
-        <a:font script="Syrn" typeface="Estrangelo Edessa"/>
-        <a:font script="Syrj" typeface="Estrangelo Edessa"/>
-        <a:font script="Syre" typeface="Estrangelo Edessa"/>
-        <a:font script="Sora" typeface="Nirmala UI"/>
-        <a:font script="Tale" typeface="Microsoft Tai Le"/>
-        <a:font script="Talu" typeface="Microsoft New Tai Lue"/>
-        <a:font script="Tfng" typeface="Ebrima"/>
       </a:majorFont>
       <a:minorFont>
         <a:latin typeface="Calibri" panose="020F0502020204030204"/>
@@ -4042,23 +3505,6 @@
         <a:font script="Viet" typeface="Arial"/>
         <a:font script="Uigh" typeface="Microsoft Uighur"/>
         <a:font script="Geor" typeface="Sylfaen"/>
-        <a:font script="Armn" typeface="Arial"/>
-        <a:font script="Bugi" typeface="Leelawadee UI"/>
-        <a:font script="Bopo" typeface="Microsoft JhengHei"/>
-        <a:font script="Java" typeface="Javanese Text"/>
-        <a:font script="Lisu" typeface="Segoe UI"/>
-        <a:font script="Mymr" typeface="Myanmar Text"/>
-        <a:font script="Nkoo" typeface="Ebrima"/>
-        <a:font script="Olck" typeface="Nirmala UI"/>
-        <a:font script="Osma" typeface="Ebrima"/>
-        <a:font script="Phag" typeface="Phagspa"/>
-        <a:font script="Syrn" typeface="Estrangelo Edessa"/>
-        <a:font script="Syrj" typeface="Estrangelo Edessa"/>
-        <a:font script="Syre" typeface="Estrangelo Edessa"/>
-        <a:font script="Sora" typeface="Nirmala UI"/>
-        <a:font script="Tale" typeface="Microsoft Tai Le"/>
-        <a:font script="Talu" typeface="Microsoft New Tai Lue"/>
-        <a:font script="Tfng" typeface="Ebrima"/>
       </a:minorFont>
     </a:fontScheme>
     <a:fmtScheme name="Office">
@@ -4203,7 +3649,7 @@
   <a:extraClrSchemeLst/>
   <a:extLst>
     <a:ext uri="{05A4C25C-085E-4340-85A3-A5531E510DB2}">
-      <thm15:themeFamily xmlns:thm15="http://schemas.microsoft.com/office/thememl/2012/main" name="Office Theme" id="{62F939B6-93AF-4DB8-9C6B-D6C7DFDC589F}" vid="{4A3C46E8-61CC-4603-A589-7422A47A8E4A}"/>
+      <thm15:themeFamily xmlns:thm15="http://schemas.microsoft.com/office/thememl/2012/main" name="Office Theme 2013 - 2022" id="{62F939B6-93AF-4DB8-9C6B-D6C7DFDC589F}" vid="{4A3C46E8-61CC-4603-A589-7422A47A8E4A}"/>
     </a:ext>
   </a:extLst>
 </a:theme>
